--- a/חומר עזר לפרויקט/‏‏ספר פרויקט + מצגת/HY_poster.pptx
+++ b/חומר עזר לפרויקט/‏‏ספר פרויקט + מצגת/HY_poster.pptx
@@ -4266,56 +4266,6 @@
       </p:sp>
       <p:sp>
         <p:nvSpPr>
-          <p:cNvPr id="167" name="Rounded Rectangle 18"/>
-          <p:cNvSpPr/>
-          <p:nvPr/>
-        </p:nvSpPr>
-        <p:spPr>
-          <a:xfrm>
-            <a:off x="10458000" y="22381091"/>
-            <a:ext cx="9360000" cy="1128962"/>
-          </a:xfrm>
-          <a:prstGeom prst="roundRect">
-            <a:avLst>
-              <a:gd name="adj" fmla="val 3718"/>
-            </a:avLst>
-          </a:prstGeom>
-          <a:solidFill>
-            <a:srgbClr val="124872"/>
-          </a:solidFill>
-          <a:ln w="76200" cap="flat" cmpd="sng" algn="ctr">
-            <a:solidFill>
-              <a:srgbClr val="124872"/>
-            </a:solidFill>
-            <a:prstDash val="solid"/>
-          </a:ln>
-          <a:effectLst/>
-        </p:spPr>
-        <p:txBody>
-          <a:bodyPr rtlCol="1" anchor="ctr"/>
-          <a:lstStyle/>
-          <a:p>
-            <a:pPr algn="ctr" defTabSz="854324" fontAlgn="auto">
-              <a:spcBef>
-                <a:spcPts val="0"/>
-              </a:spcBef>
-              <a:spcAft>
-                <a:spcPts val="0"/>
-              </a:spcAft>
-              <a:defRPr/>
-            </a:pPr>
-            <a:endParaRPr lang="he-IL" sz="7661" b="0" kern="0">
-              <a:solidFill>
-                <a:srgbClr val="FFFFFF"/>
-              </a:solidFill>
-              <a:latin typeface="Arial" panose="020B0604020202020204" pitchFamily="34" charset="0"/>
-              <a:cs typeface="Arial" panose="020B0604020202020204" pitchFamily="34" charset="0"/>
-            </a:endParaRPr>
-          </a:p>
-        </p:txBody>
-      </p:sp>
-      <p:sp>
-        <p:nvSpPr>
           <p:cNvPr id="166" name="Rounded Rectangle 18"/>
           <p:cNvSpPr/>
           <p:nvPr/>
@@ -4810,7 +4760,7 @@
         </p:nvSpPr>
         <p:spPr bwMode="auto">
           <a:xfrm>
-            <a:off x="900000" y="29362016"/>
+            <a:off x="959387" y="28771757"/>
             <a:ext cx="7688943" cy="1009048"/>
           </a:xfrm>
           <a:prstGeom prst="rect">
@@ -5245,928 +5195,6 @@
       </p:sp>
       <p:sp>
         <p:nvSpPr>
-          <p:cNvPr id="253" name="Rectangle 4"/>
-          <p:cNvSpPr>
-            <a:spLocks noChangeArrowheads="1"/>
-          </p:cNvSpPr>
-          <p:nvPr/>
-        </p:nvSpPr>
-        <p:spPr bwMode="auto">
-          <a:xfrm>
-            <a:off x="10764000" y="22441048"/>
-            <a:ext cx="8781546" cy="1009048"/>
-          </a:xfrm>
-          <a:prstGeom prst="rect">
-            <a:avLst/>
-          </a:prstGeom>
-          <a:noFill/>
-          <a:ln>
-            <a:noFill/>
-          </a:ln>
-          <a:extLst>
-            <a:ext uri="{909E8E84-426E-40DD-AFC4-6F175D3DCCD1}">
-              <a14:hiddenFill xmlns:a14="http://schemas.microsoft.com/office/drawing/2010/main">
-                <a:solidFill>
-                  <a:srgbClr val="FFFFFF"/>
-                </a:solidFill>
-              </a14:hiddenFill>
-            </a:ext>
-            <a:ext uri="{91240B29-F687-4F45-9708-019B960494DF}">
-              <a14:hiddenLine xmlns:a14="http://schemas.microsoft.com/office/drawing/2010/main" w="9525">
-                <a:solidFill>
-                  <a:srgbClr val="000000"/>
-                </a:solidFill>
-                <a:miter lim="800000"/>
-                <a:headEnd/>
-                <a:tailEnd/>
-              </a14:hiddenLine>
-            </a:ext>
-          </a:extLst>
-        </p:spPr>
-        <p:txBody>
-          <a:bodyPr anchor="ctr"/>
-          <a:lstStyle/>
-          <a:p>
-            <a:pPr algn="l" defTabSz="3900819" rtl="0"/>
-            <a:r>
-              <a:rPr lang="en-US" sz="5400" dirty="0">
-                <a:solidFill>
-                  <a:schemeClr val="bg1"/>
-                </a:solidFill>
-                <a:latin typeface="Arial" panose="020B0604020202020204" pitchFamily="34" charset="0"/>
-                <a:cs typeface="Arial" panose="020B0604020202020204" pitchFamily="34" charset="0"/>
-              </a:rPr>
-              <a:t>ROI Detection</a:t>
-            </a:r>
-          </a:p>
-        </p:txBody>
-      </p:sp>
-      <p:sp>
-        <p:nvSpPr>
-          <p:cNvPr id="367" name="Rectangle 4"/>
-          <p:cNvSpPr>
-            <a:spLocks noChangeArrowheads="1"/>
-          </p:cNvSpPr>
-          <p:nvPr/>
-        </p:nvSpPr>
-        <p:spPr bwMode="auto">
-          <a:xfrm>
-            <a:off x="10875286" y="17016323"/>
-            <a:ext cx="8820000" cy="2511850"/>
-          </a:xfrm>
-          <a:prstGeom prst="rect">
-            <a:avLst/>
-          </a:prstGeom>
-          <a:noFill/>
-          <a:ln>
-            <a:noFill/>
-          </a:ln>
-          <a:extLst>
-            <a:ext uri="{909E8E84-426E-40DD-AFC4-6F175D3DCCD1}">
-              <a14:hiddenFill xmlns:a14="http://schemas.microsoft.com/office/drawing/2010/main">
-                <a:solidFill>
-                  <a:srgbClr val="FFFFFF"/>
-                </a:solidFill>
-              </a14:hiddenFill>
-            </a:ext>
-            <a:ext uri="{91240B29-F687-4F45-9708-019B960494DF}">
-              <a14:hiddenLine xmlns:a14="http://schemas.microsoft.com/office/drawing/2010/main" w="9525">
-                <a:solidFill>
-                  <a:srgbClr val="000000"/>
-                </a:solidFill>
-                <a:miter lim="800000"/>
-                <a:headEnd/>
-                <a:tailEnd/>
-              </a14:hiddenLine>
-            </a:ext>
-          </a:extLst>
-        </p:spPr>
-        <p:txBody>
-          <a:bodyPr/>
-          <a:lstStyle/>
-          <a:p>
-            <a:pPr marL="425679" indent="-425679" algn="l" rtl="0">
-              <a:spcBef>
-                <a:spcPts val="1682"/>
-              </a:spcBef>
-              <a:buSzPct val="125000"/>
-              <a:buFont typeface="Arial" pitchFamily="34" charset="0"/>
-              <a:buChar char="•"/>
-            </a:pPr>
-            <a:r>
-              <a:rPr lang="en-US" sz="2990" b="0" dirty="0">
-                <a:solidFill>
-                  <a:srgbClr val="000060"/>
-                </a:solidFill>
-                <a:latin typeface="Arial" panose="020B0604020202020204" pitchFamily="34" charset="0"/>
-                <a:cs typeface="Arial" panose="020B0604020202020204" pitchFamily="34" charset="0"/>
-              </a:rPr>
-              <a:t>Hough transform based solution</a:t>
-            </a:r>
-          </a:p>
-          <a:p>
-            <a:pPr marL="425679" indent="-425679" algn="l" rtl="0">
-              <a:spcBef>
-                <a:spcPts val="1682"/>
-              </a:spcBef>
-              <a:buSzPct val="125000"/>
-              <a:buFont typeface="Arial" pitchFamily="34" charset="0"/>
-              <a:buChar char="•"/>
-            </a:pPr>
-            <a:r>
-              <a:rPr lang="en-US" sz="2990" b="0" dirty="0">
-                <a:solidFill>
-                  <a:srgbClr val="000060"/>
-                </a:solidFill>
-                <a:latin typeface="Arial" panose="020B0604020202020204" pitchFamily="34" charset="0"/>
-                <a:cs typeface="Arial" panose="020B0604020202020204" pitchFamily="34" charset="0"/>
-              </a:rPr>
-              <a:t>Accurate and consistent horizon detection</a:t>
-            </a:r>
-          </a:p>
-          <a:p>
-            <a:pPr marL="425679" indent="-425679" algn="l" rtl="0">
-              <a:spcBef>
-                <a:spcPts val="1682"/>
-              </a:spcBef>
-              <a:buSzPct val="125000"/>
-              <a:buFont typeface="Arial" pitchFamily="34" charset="0"/>
-              <a:buChar char="•"/>
-            </a:pPr>
-            <a:r>
-              <a:rPr lang="en-US" sz="2990" b="0" dirty="0">
-                <a:solidFill>
-                  <a:srgbClr val="000060"/>
-                </a:solidFill>
-                <a:latin typeface="Arial" panose="020B0604020202020204" pitchFamily="34" charset="0"/>
-                <a:cs typeface="Arial" panose="020B0604020202020204" pitchFamily="34" charset="0"/>
-              </a:rPr>
-              <a:t>Adaptive thresholds help in handling varying environmental conditions, such as sun glare</a:t>
-            </a:r>
-          </a:p>
-        </p:txBody>
-      </p:sp>
-      <p:grpSp>
-        <p:nvGrpSpPr>
-          <p:cNvPr id="79" name="Group 78"/>
-          <p:cNvGrpSpPr/>
-          <p:nvPr/>
-        </p:nvGrpSpPr>
-        <p:grpSpPr>
-          <a:xfrm>
-            <a:off x="10775659" y="23546772"/>
-            <a:ext cx="9184291" cy="6019800"/>
-            <a:chOff x="10775659" y="26665676"/>
-            <a:chExt cx="9184291" cy="6019800"/>
-          </a:xfrm>
-        </p:grpSpPr>
-        <p:cxnSp>
-          <p:nvCxnSpPr>
-            <p:cNvPr id="369" name="Elbow Connector 368"/>
-            <p:cNvCxnSpPr/>
-            <p:nvPr/>
-          </p:nvCxnSpPr>
-          <p:spPr>
-            <a:xfrm>
-              <a:off x="15812038" y="31509017"/>
-              <a:ext cx="1197406" cy="12700"/>
-            </a:xfrm>
-            <a:prstGeom prst="bentConnector3">
-              <a:avLst>
-                <a:gd name="adj1" fmla="val -3905"/>
-              </a:avLst>
-            </a:prstGeom>
-            <a:ln w="88900">
-              <a:solidFill>
-                <a:srgbClr val="465E9C"/>
-              </a:solidFill>
-              <a:tailEnd type="triangle"/>
-            </a:ln>
-          </p:spPr>
-          <p:style>
-            <a:lnRef idx="1">
-              <a:schemeClr val="accent1"/>
-            </a:lnRef>
-            <a:fillRef idx="0">
-              <a:schemeClr val="accent1"/>
-            </a:fillRef>
-            <a:effectRef idx="0">
-              <a:schemeClr val="accent1"/>
-            </a:effectRef>
-            <a:fontRef idx="minor">
-              <a:schemeClr val="tx1"/>
-            </a:fontRef>
-          </p:style>
-        </p:cxnSp>
-        <p:grpSp>
-          <p:nvGrpSpPr>
-            <p:cNvPr id="373" name="Group 372"/>
-            <p:cNvGrpSpPr/>
-            <p:nvPr/>
-          </p:nvGrpSpPr>
-          <p:grpSpPr>
-            <a:xfrm>
-              <a:off x="10824718" y="26665676"/>
-              <a:ext cx="8773006" cy="5481215"/>
-              <a:chOff x="87568" y="668341"/>
-              <a:chExt cx="8773006" cy="5481215"/>
-            </a:xfrm>
-          </p:grpSpPr>
-          <p:sp>
-            <p:nvSpPr>
-              <p:cNvPr id="374" name="Rounded Rectangle 373"/>
-              <p:cNvSpPr/>
-              <p:nvPr/>
-            </p:nvSpPr>
-            <p:spPr>
-              <a:xfrm>
-                <a:off x="3658475" y="1420926"/>
-                <a:ext cx="1946586" cy="1303511"/>
-              </a:xfrm>
-              <a:prstGeom prst="roundRect">
-                <a:avLst/>
-              </a:prstGeom>
-              <a:solidFill>
-                <a:srgbClr val="124872"/>
-              </a:solidFill>
-              <a:ln>
-                <a:solidFill>
-                  <a:schemeClr val="tx1"/>
-                </a:solidFill>
-              </a:ln>
-            </p:spPr>
-            <p:style>
-              <a:lnRef idx="2">
-                <a:schemeClr val="accent6">
-                  <a:shade val="50000"/>
-                </a:schemeClr>
-              </a:lnRef>
-              <a:fillRef idx="1002">
-                <a:schemeClr val="dk2"/>
-              </a:fillRef>
-              <a:effectRef idx="0">
-                <a:schemeClr val="accent6"/>
-              </a:effectRef>
-              <a:fontRef idx="minor">
-                <a:schemeClr val="lt1"/>
-              </a:fontRef>
-            </p:style>
-            <p:txBody>
-              <a:bodyPr rtlCol="1" anchor="ctr"/>
-              <a:lstStyle/>
-              <a:p>
-                <a:pPr algn="ctr" rtl="0"/>
-                <a:r>
-                  <a:rPr lang="en-US" sz="2000" b="0" dirty="0">
-                    <a:latin typeface="Arial" panose="020B0604020202020204" pitchFamily="34" charset="0"/>
-                    <a:cs typeface="Arial" panose="020B0604020202020204" pitchFamily="34" charset="0"/>
-                  </a:rPr>
-                  <a:t>Determine Threshold Increment</a:t>
-                </a:r>
-                <a:endParaRPr lang="he-IL" sz="2000" b="0" dirty="0">
-                  <a:latin typeface="Arial" panose="020B0604020202020204" pitchFamily="34" charset="0"/>
-                  <a:cs typeface="Arial" panose="020B0604020202020204" pitchFamily="34" charset="0"/>
-                </a:endParaRPr>
-              </a:p>
-            </p:txBody>
-          </p:sp>
-          <p:sp>
-            <p:nvSpPr>
-              <p:cNvPr id="375" name="TextBox 374"/>
-              <p:cNvSpPr txBox="1"/>
-              <p:nvPr/>
-            </p:nvSpPr>
-            <p:spPr>
-              <a:xfrm>
-                <a:off x="87568" y="668341"/>
-                <a:ext cx="2941288" cy="707886"/>
-              </a:xfrm>
-              <a:prstGeom prst="rect">
-                <a:avLst/>
-              </a:prstGeom>
-              <a:noFill/>
-            </p:spPr>
-            <p:txBody>
-              <a:bodyPr wrap="square" rtlCol="1">
-                <a:spAutoFit/>
-              </a:bodyPr>
-              <a:lstStyle/>
-              <a:p>
-                <a:pPr algn="ctr"/>
-                <a:r>
-                  <a:rPr lang="en-US" sz="2000" b="0" dirty="0">
-                    <a:solidFill>
-                      <a:schemeClr val="tx1"/>
-                    </a:solidFill>
-                    <a:latin typeface="Arial" panose="020B0604020202020204" pitchFamily="34" charset="0"/>
-                    <a:cs typeface="Arial" panose="020B0604020202020204" pitchFamily="34" charset="0"/>
-                  </a:rPr>
-                  <a:t>Input Frame and Object Tracking</a:t>
-                </a:r>
-                <a:endParaRPr lang="he-IL" sz="2000" b="0" dirty="0">
-                  <a:solidFill>
-                    <a:schemeClr val="tx1"/>
-                  </a:solidFill>
-                  <a:latin typeface="Arial" panose="020B0604020202020204" pitchFamily="34" charset="0"/>
-                  <a:cs typeface="Arial" panose="020B0604020202020204" pitchFamily="34" charset="0"/>
-                </a:endParaRPr>
-              </a:p>
-            </p:txBody>
-          </p:sp>
-          <p:sp>
-            <p:nvSpPr>
-              <p:cNvPr id="376" name="Rounded Rectangle 375"/>
-              <p:cNvSpPr/>
-              <p:nvPr/>
-            </p:nvSpPr>
-            <p:spPr>
-              <a:xfrm>
-                <a:off x="3658892" y="3109259"/>
-                <a:ext cx="1947672" cy="1307592"/>
-              </a:xfrm>
-              <a:prstGeom prst="roundRect">
-                <a:avLst/>
-              </a:prstGeom>
-              <a:solidFill>
-                <a:srgbClr val="124872"/>
-              </a:solidFill>
-              <a:ln>
-                <a:solidFill>
-                  <a:schemeClr val="tx1"/>
-                </a:solidFill>
-              </a:ln>
-            </p:spPr>
-            <p:style>
-              <a:lnRef idx="2">
-                <a:schemeClr val="accent6">
-                  <a:shade val="50000"/>
-                </a:schemeClr>
-              </a:lnRef>
-              <a:fillRef idx="1002">
-                <a:schemeClr val="dk2"/>
-              </a:fillRef>
-              <a:effectRef idx="0">
-                <a:schemeClr val="accent6"/>
-              </a:effectRef>
-              <a:fontRef idx="minor">
-                <a:schemeClr val="lt1"/>
-              </a:fontRef>
-            </p:style>
-            <p:txBody>
-              <a:bodyPr rtlCol="1" anchor="ctr"/>
-              <a:lstStyle/>
-              <a:p>
-                <a:pPr algn="ctr" rtl="0"/>
-                <a:r>
-                  <a:rPr lang="en-US" sz="2000" b="0" dirty="0">
-                    <a:latin typeface="Arial" panose="020B0604020202020204" pitchFamily="34" charset="0"/>
-                    <a:cs typeface="Arial" panose="020B0604020202020204" pitchFamily="34" charset="0"/>
-                  </a:rPr>
-                  <a:t>Extract MSER Regions</a:t>
-                </a:r>
-                <a:endParaRPr lang="he-IL" sz="2000" b="0" dirty="0">
-                  <a:latin typeface="Arial" panose="020B0604020202020204" pitchFamily="34" charset="0"/>
-                  <a:cs typeface="Arial" panose="020B0604020202020204" pitchFamily="34" charset="0"/>
-                </a:endParaRPr>
-              </a:p>
-            </p:txBody>
-          </p:sp>
-          <p:sp>
-            <p:nvSpPr>
-              <p:cNvPr id="377" name="Rounded Rectangle 376"/>
-              <p:cNvSpPr/>
-              <p:nvPr/>
-            </p:nvSpPr>
-            <p:spPr>
-              <a:xfrm>
-                <a:off x="3658475" y="4841964"/>
-                <a:ext cx="1947672" cy="1307592"/>
-              </a:xfrm>
-              <a:prstGeom prst="roundRect">
-                <a:avLst/>
-              </a:prstGeom>
-              <a:solidFill>
-                <a:srgbClr val="124872"/>
-              </a:solidFill>
-              <a:ln>
-                <a:solidFill>
-                  <a:schemeClr val="tx1"/>
-                </a:solidFill>
-              </a:ln>
-            </p:spPr>
-            <p:style>
-              <a:lnRef idx="2">
-                <a:schemeClr val="accent6">
-                  <a:shade val="50000"/>
-                </a:schemeClr>
-              </a:lnRef>
-              <a:fillRef idx="1002">
-                <a:schemeClr val="dk2"/>
-              </a:fillRef>
-              <a:effectRef idx="0">
-                <a:schemeClr val="accent6"/>
-              </a:effectRef>
-              <a:fontRef idx="minor">
-                <a:schemeClr val="lt1"/>
-              </a:fontRef>
-            </p:style>
-            <p:txBody>
-              <a:bodyPr rtlCol="1" anchor="ctr"/>
-              <a:lstStyle/>
-              <a:p>
-                <a:pPr algn="ctr" rtl="0"/>
-                <a:r>
-                  <a:rPr lang="en-US" sz="2000" b="0" dirty="0">
-                    <a:latin typeface="Arial" panose="020B0604020202020204" pitchFamily="34" charset="0"/>
-                    <a:cs typeface="Arial" panose="020B0604020202020204" pitchFamily="34" charset="0"/>
-                  </a:rPr>
-                  <a:t>Choose Closest</a:t>
-                </a:r>
-              </a:p>
-              <a:p>
-                <a:pPr algn="ctr" rtl="0"/>
-                <a:r>
-                  <a:rPr lang="en-US" sz="2000" b="0" dirty="0">
-                    <a:latin typeface="Arial" panose="020B0604020202020204" pitchFamily="34" charset="0"/>
-                    <a:cs typeface="Arial" panose="020B0604020202020204" pitchFamily="34" charset="0"/>
-                  </a:rPr>
-                  <a:t>Region</a:t>
-                </a:r>
-              </a:p>
-            </p:txBody>
-          </p:sp>
-          <p:cxnSp>
-            <p:nvCxnSpPr>
-              <p:cNvPr id="378" name="Elbow Connector 377"/>
-              <p:cNvCxnSpPr>
-                <a:endCxn id="384" idx="3"/>
-              </p:cNvCxnSpPr>
-              <p:nvPr/>
-            </p:nvCxnSpPr>
-            <p:spPr>
-              <a:xfrm flipV="1">
-                <a:off x="1714287" y="2088020"/>
-                <a:ext cx="1944188" cy="193976"/>
-              </a:xfrm>
-              <a:prstGeom prst="bentConnector3">
-                <a:avLst>
-                  <a:gd name="adj1" fmla="val 38270"/>
-                </a:avLst>
-              </a:prstGeom>
-              <a:ln w="88900">
-                <a:solidFill>
-                  <a:srgbClr val="465E9C"/>
-                </a:solidFill>
-                <a:tailEnd type="triangle"/>
-              </a:ln>
-            </p:spPr>
-            <p:style>
-              <a:lnRef idx="1">
-                <a:schemeClr val="accent1"/>
-              </a:lnRef>
-              <a:fillRef idx="0">
-                <a:schemeClr val="accent1"/>
-              </a:fillRef>
-              <a:effectRef idx="0">
-                <a:schemeClr val="accent1"/>
-              </a:effectRef>
-              <a:fontRef idx="minor">
-                <a:schemeClr val="tx1"/>
-              </a:fontRef>
-            </p:style>
-          </p:cxnSp>
-          <p:sp>
-            <p:nvSpPr>
-              <p:cNvPr id="379" name="TextBox 378"/>
-              <p:cNvSpPr txBox="1"/>
-              <p:nvPr/>
-            </p:nvSpPr>
-            <p:spPr>
-              <a:xfrm>
-                <a:off x="6345974" y="3963101"/>
-                <a:ext cx="2514600" cy="400110"/>
-              </a:xfrm>
-              <a:prstGeom prst="rect">
-                <a:avLst/>
-              </a:prstGeom>
-              <a:noFill/>
-            </p:spPr>
-            <p:txBody>
-              <a:bodyPr wrap="square" rtlCol="1">
-                <a:spAutoFit/>
-              </a:bodyPr>
-              <a:lstStyle/>
-              <a:p>
-                <a:pPr algn="ctr"/>
-                <a:r>
-                  <a:rPr lang="en-US" sz="2000" b="0" dirty="0">
-                    <a:solidFill>
-                      <a:schemeClr val="tx1"/>
-                    </a:solidFill>
-                    <a:latin typeface="Arial" panose="020B0604020202020204" pitchFamily="34" charset="0"/>
-                    <a:cs typeface="Arial" panose="020B0604020202020204" pitchFamily="34" charset="0"/>
-                  </a:rPr>
-                  <a:t>ROI</a:t>
-                </a:r>
-                <a:endParaRPr lang="he-IL" sz="2000" b="0" dirty="0">
-                  <a:solidFill>
-                    <a:schemeClr val="tx1"/>
-                  </a:solidFill>
-                  <a:latin typeface="Arial" panose="020B0604020202020204" pitchFamily="34" charset="0"/>
-                  <a:cs typeface="Arial" panose="020B0604020202020204" pitchFamily="34" charset="0"/>
-                </a:endParaRPr>
-              </a:p>
-            </p:txBody>
-          </p:sp>
-        </p:grpSp>
-        <p:cxnSp>
-          <p:nvCxnSpPr>
-            <p:cNvPr id="380" name="Straight Arrow Connector 379"/>
-            <p:cNvCxnSpPr>
-              <a:stCxn id="374" idx="2"/>
-              <a:endCxn id="376" idx="0"/>
-            </p:cNvCxnSpPr>
-            <p:nvPr/>
-          </p:nvCxnSpPr>
-          <p:spPr>
-            <a:xfrm>
-              <a:off x="15368918" y="28721772"/>
-              <a:ext cx="960" cy="384822"/>
-            </a:xfrm>
-            <a:prstGeom prst="straightConnector1">
-              <a:avLst/>
-            </a:prstGeom>
-            <a:ln w="88900">
-              <a:solidFill>
-                <a:srgbClr val="465E9C"/>
-              </a:solidFill>
-              <a:tailEnd type="triangle"/>
-            </a:ln>
-          </p:spPr>
-          <p:style>
-            <a:lnRef idx="1">
-              <a:schemeClr val="accent1"/>
-            </a:lnRef>
-            <a:fillRef idx="0">
-              <a:schemeClr val="accent1"/>
-            </a:fillRef>
-            <a:effectRef idx="0">
-              <a:schemeClr val="accent1"/>
-            </a:effectRef>
-            <a:fontRef idx="minor">
-              <a:schemeClr val="tx1"/>
-            </a:fontRef>
-          </p:style>
-        </p:cxnSp>
-        <p:cxnSp>
-          <p:nvCxnSpPr>
-            <p:cNvPr id="381" name="Straight Arrow Connector 380"/>
-            <p:cNvCxnSpPr>
-              <a:stCxn id="376" idx="2"/>
-              <a:endCxn id="377" idx="0"/>
-            </p:cNvCxnSpPr>
-            <p:nvPr/>
-          </p:nvCxnSpPr>
-          <p:spPr>
-            <a:xfrm flipH="1">
-              <a:off x="15369461" y="30414186"/>
-              <a:ext cx="417" cy="425113"/>
-            </a:xfrm>
-            <a:prstGeom prst="straightConnector1">
-              <a:avLst/>
-            </a:prstGeom>
-            <a:ln w="88900">
-              <a:solidFill>
-                <a:srgbClr val="465E9C"/>
-              </a:solidFill>
-              <a:tailEnd type="triangle"/>
-            </a:ln>
-          </p:spPr>
-          <p:style>
-            <a:lnRef idx="1">
-              <a:schemeClr val="accent1"/>
-            </a:lnRef>
-            <a:fillRef idx="0">
-              <a:schemeClr val="accent1"/>
-            </a:fillRef>
-            <a:effectRef idx="0">
-              <a:schemeClr val="accent1"/>
-            </a:effectRef>
-            <a:fontRef idx="minor">
-              <a:schemeClr val="tx1"/>
-            </a:fontRef>
-          </p:style>
-        </p:cxnSp>
-        <p:pic>
-          <p:nvPicPr>
-            <p:cNvPr id="382" name="Picture 381"/>
-            <p:cNvPicPr>
-              <a:picLocks noChangeAspect="1"/>
-            </p:cNvPicPr>
-            <p:nvPr/>
-          </p:nvPicPr>
-          <p:blipFill>
-            <a:blip r:embed="rId2"/>
-            <a:stretch>
-              <a:fillRect/>
-            </a:stretch>
-          </p:blipFill>
-          <p:spPr>
-            <a:xfrm>
-              <a:off x="10775659" y="27284121"/>
-              <a:ext cx="3126321" cy="2278192"/>
-            </a:xfrm>
-            <a:prstGeom prst="rect">
-              <a:avLst/>
-            </a:prstGeom>
-          </p:spPr>
-        </p:pic>
-        <p:pic>
-          <p:nvPicPr>
-            <p:cNvPr id="383" name="Picture 382"/>
-            <p:cNvPicPr>
-              <a:picLocks noChangeAspect="1"/>
-            </p:cNvPicPr>
-            <p:nvPr/>
-          </p:nvPicPr>
-          <p:blipFill>
-            <a:blip r:embed="rId3"/>
-            <a:stretch>
-              <a:fillRect/>
-            </a:stretch>
-          </p:blipFill>
-          <p:spPr>
-            <a:xfrm>
-              <a:off x="16720899" y="30325136"/>
-              <a:ext cx="3239051" cy="2360340"/>
-            </a:xfrm>
-            <a:prstGeom prst="rect">
-              <a:avLst/>
-            </a:prstGeom>
-          </p:spPr>
-        </p:pic>
-        <p:sp>
-          <p:nvSpPr>
-            <p:cNvPr id="384" name="TextBox 383"/>
-            <p:cNvSpPr txBox="1"/>
-            <p:nvPr/>
-          </p:nvSpPr>
-          <p:spPr>
-            <a:xfrm>
-              <a:off x="13154229" y="27916078"/>
-              <a:ext cx="1241396" cy="338554"/>
-            </a:xfrm>
-            <a:prstGeom prst="rect">
-              <a:avLst/>
-            </a:prstGeom>
-            <a:noFill/>
-          </p:spPr>
-          <p:txBody>
-            <a:bodyPr wrap="square" rtlCol="1">
-              <a:spAutoFit/>
-            </a:bodyPr>
-            <a:lstStyle/>
-            <a:p>
-              <a:endParaRPr lang="he-IL" sz="1600" b="0" dirty="0">
-                <a:solidFill>
-                  <a:schemeClr val="tx1"/>
-                </a:solidFill>
-                <a:latin typeface="Arial" panose="020B0604020202020204" pitchFamily="34" charset="0"/>
-                <a:ea typeface="Calibri" panose="020F0502020204030204" pitchFamily="34" charset="0"/>
-                <a:cs typeface="Arial" panose="020B0604020202020204" pitchFamily="34" charset="0"/>
-              </a:endParaRPr>
-            </a:p>
-          </p:txBody>
-        </p:sp>
-      </p:grpSp>
-      <p:sp>
-        <p:nvSpPr>
-          <p:cNvPr id="386" name="Rectangle 4"/>
-          <p:cNvSpPr>
-            <a:spLocks noChangeArrowheads="1"/>
-          </p:cNvSpPr>
-          <p:nvPr/>
-        </p:nvSpPr>
-        <p:spPr bwMode="auto">
-          <a:xfrm>
-            <a:off x="10728000" y="29356284"/>
-            <a:ext cx="8820000" cy="5019492"/>
-          </a:xfrm>
-          <a:prstGeom prst="rect">
-            <a:avLst/>
-          </a:prstGeom>
-          <a:noFill/>
-          <a:ln>
-            <a:noFill/>
-          </a:ln>
-          <a:extLst>
-            <a:ext uri="{909E8E84-426E-40DD-AFC4-6F175D3DCCD1}">
-              <a14:hiddenFill xmlns:a14="http://schemas.microsoft.com/office/drawing/2010/main">
-                <a:solidFill>
-                  <a:srgbClr val="FFFFFF"/>
-                </a:solidFill>
-              </a14:hiddenFill>
-            </a:ext>
-            <a:ext uri="{91240B29-F687-4F45-9708-019B960494DF}">
-              <a14:hiddenLine xmlns:a14="http://schemas.microsoft.com/office/drawing/2010/main" w="9525">
-                <a:solidFill>
-                  <a:srgbClr val="000000"/>
-                </a:solidFill>
-                <a:miter lim="800000"/>
-                <a:headEnd/>
-                <a:tailEnd/>
-              </a14:hiddenLine>
-            </a:ext>
-          </a:extLst>
-        </p:spPr>
-        <p:txBody>
-          <a:bodyPr/>
-          <a:lstStyle/>
-          <a:p>
-            <a:pPr marL="425679" indent="-425679" algn="l" rtl="0">
-              <a:spcBef>
-                <a:spcPts val="1682"/>
-              </a:spcBef>
-              <a:buSzPct val="125000"/>
-              <a:buFont typeface="Arial" pitchFamily="34" charset="0"/>
-              <a:buChar char="•"/>
-            </a:pPr>
-            <a:r>
-              <a:rPr lang="en-US" sz="2990" b="0" dirty="0">
-                <a:solidFill>
-                  <a:srgbClr val="000060"/>
-                </a:solidFill>
-                <a:latin typeface="Arial" panose="020B0604020202020204" pitchFamily="34" charset="0"/>
-                <a:cs typeface="Arial" panose="020B0604020202020204" pitchFamily="34" charset="0"/>
-              </a:rPr>
-              <a:t>Maximally Stable Extremal Regions (MSER) is an efficient feature extraction algorithm</a:t>
-            </a:r>
-          </a:p>
-          <a:p>
-            <a:pPr marL="961114" lvl="1" indent="-533952" algn="l" rtl="0">
-              <a:spcBef>
-                <a:spcPts val="1682"/>
-              </a:spcBef>
-              <a:buSzPct val="75000"/>
-              <a:buFont typeface="Wingdings" panose="05000000000000000000" pitchFamily="2" charset="2"/>
-              <a:buChar char="§"/>
-            </a:pPr>
-            <a:r>
-              <a:rPr lang="en-US" sz="2990" b="0" dirty="0">
-                <a:solidFill>
-                  <a:srgbClr val="000060"/>
-                </a:solidFill>
-                <a:latin typeface="Arial" panose="020B0604020202020204" pitchFamily="34" charset="0"/>
-                <a:cs typeface="Arial" panose="020B0604020202020204" pitchFamily="34" charset="0"/>
-              </a:rPr>
-              <a:t>Suggested in [</a:t>
-            </a:r>
-            <a:r>
-              <a:rPr lang="en-US" sz="2990" b="0" dirty="0" err="1">
-                <a:solidFill>
-                  <a:srgbClr val="000060"/>
-                </a:solidFill>
-                <a:latin typeface="Arial" panose="020B0604020202020204" pitchFamily="34" charset="0"/>
-                <a:cs typeface="Arial" panose="020B0604020202020204" pitchFamily="34" charset="0"/>
-              </a:rPr>
-              <a:t>Matas</a:t>
-            </a:r>
-            <a:r>
-              <a:rPr lang="en-US" sz="2990" b="0" dirty="0">
-                <a:solidFill>
-                  <a:srgbClr val="000060"/>
-                </a:solidFill>
-                <a:latin typeface="Arial" panose="020B0604020202020204" pitchFamily="34" charset="0"/>
-                <a:cs typeface="Arial" panose="020B0604020202020204" pitchFamily="34" charset="0"/>
-              </a:rPr>
-              <a:t> et al., 2004]</a:t>
-            </a:r>
-          </a:p>
-          <a:p>
-            <a:pPr marL="961114" lvl="1" indent="-533952" algn="l" rtl="0">
-              <a:spcBef>
-                <a:spcPts val="1682"/>
-              </a:spcBef>
-              <a:buSzPct val="75000"/>
-              <a:buFont typeface="Wingdings" panose="05000000000000000000" pitchFamily="2" charset="2"/>
-              <a:buChar char="§"/>
-            </a:pPr>
-            <a:r>
-              <a:rPr lang="en-US" sz="2990" b="0" dirty="0">
-                <a:solidFill>
-                  <a:srgbClr val="000060"/>
-                </a:solidFill>
-                <a:latin typeface="Arial" panose="020B0604020202020204" pitchFamily="34" charset="0"/>
-                <a:cs typeface="Arial" panose="020B0604020202020204" pitchFamily="34" charset="0"/>
-              </a:rPr>
-              <a:t>Thresholds the image under a sequence of increasing threshold values and looks for stable connected components</a:t>
-            </a:r>
-          </a:p>
-          <a:p>
-            <a:pPr marL="961114" lvl="1" indent="-533952" algn="l" rtl="0">
-              <a:spcBef>
-                <a:spcPts val="1682"/>
-              </a:spcBef>
-              <a:buSzPct val="75000"/>
-              <a:buFont typeface="Wingdings" panose="05000000000000000000" pitchFamily="2" charset="2"/>
-              <a:buChar char="§"/>
-            </a:pPr>
-            <a:r>
-              <a:rPr lang="en-US" sz="2990" b="0" dirty="0">
-                <a:solidFill>
-                  <a:srgbClr val="000060"/>
-                </a:solidFill>
-                <a:latin typeface="Arial" panose="020B0604020202020204" pitchFamily="34" charset="0"/>
-                <a:cs typeface="Arial" panose="020B0604020202020204" pitchFamily="34" charset="0"/>
-              </a:rPr>
-              <a:t>Stable connected components are those whose area remains unchanged over a certain number of thresholds</a:t>
-            </a:r>
-          </a:p>
-        </p:txBody>
-      </p:sp>
-      <p:sp>
-        <p:nvSpPr>
-          <p:cNvPr id="396" name="Rectangle 4"/>
-          <p:cNvSpPr>
-            <a:spLocks noChangeArrowheads="1"/>
-          </p:cNvSpPr>
-          <p:nvPr/>
-        </p:nvSpPr>
-        <p:spPr bwMode="auto">
-          <a:xfrm>
-            <a:off x="10728000" y="40454300"/>
-            <a:ext cx="8820000" cy="1063307"/>
-          </a:xfrm>
-          <a:prstGeom prst="rect">
-            <a:avLst/>
-          </a:prstGeom>
-          <a:noFill/>
-          <a:ln>
-            <a:noFill/>
-          </a:ln>
-          <a:extLst>
-            <a:ext uri="{909E8E84-426E-40DD-AFC4-6F175D3DCCD1}">
-              <a14:hiddenFill xmlns:a14="http://schemas.microsoft.com/office/drawing/2010/main">
-                <a:solidFill>
-                  <a:srgbClr val="FFFFFF"/>
-                </a:solidFill>
-              </a14:hiddenFill>
-            </a:ext>
-            <a:ext uri="{91240B29-F687-4F45-9708-019B960494DF}">
-              <a14:hiddenLine xmlns:a14="http://schemas.microsoft.com/office/drawing/2010/main" w="9525">
-                <a:solidFill>
-                  <a:srgbClr val="000000"/>
-                </a:solidFill>
-                <a:miter lim="800000"/>
-                <a:headEnd/>
-                <a:tailEnd/>
-              </a14:hiddenLine>
-            </a:ext>
-          </a:extLst>
-        </p:spPr>
-        <p:txBody>
-          <a:bodyPr rIns="0"/>
-          <a:lstStyle/>
-          <a:p>
-            <a:pPr marL="425679" indent="-425679" algn="l" rtl="0">
-              <a:spcBef>
-                <a:spcPts val="1682"/>
-              </a:spcBef>
-              <a:buSzPct val="125000"/>
-              <a:buFont typeface="Arial" pitchFamily="34" charset="0"/>
-              <a:buChar char="•"/>
-            </a:pPr>
-            <a:r>
-              <a:rPr lang="en-US" sz="2990" b="0" dirty="0">
-                <a:solidFill>
-                  <a:srgbClr val="000060"/>
-                </a:solidFill>
-                <a:latin typeface="Arial" panose="020B0604020202020204" pitchFamily="34" charset="0"/>
-                <a:cs typeface="Arial" panose="020B0604020202020204" pitchFamily="34" charset="0"/>
-              </a:rPr>
-              <a:t>The ROI is chosen to be the region closest to the tracker</a:t>
-            </a:r>
-          </a:p>
-          <a:p>
-            <a:pPr marL="425679" indent="-425679" algn="l" rtl="0">
-              <a:spcBef>
-                <a:spcPts val="1682"/>
-              </a:spcBef>
-              <a:buFont typeface="Arial" pitchFamily="34" charset="0"/>
-              <a:buChar char="•"/>
-            </a:pPr>
-            <a:endParaRPr lang="en-US" sz="2990" b="0" dirty="0">
-              <a:solidFill>
-                <a:srgbClr val="000060"/>
-              </a:solidFill>
-              <a:latin typeface="Arial" panose="020B0604020202020204" pitchFamily="34" charset="0"/>
-              <a:cs typeface="Arial" panose="020B0604020202020204" pitchFamily="34" charset="0"/>
-            </a:endParaRPr>
-          </a:p>
-        </p:txBody>
-      </p:sp>
-      <p:sp>
-        <p:nvSpPr>
           <p:cNvPr id="238" name="Rectangle 4"/>
           <p:cNvSpPr>
             <a:spLocks noChangeArrowheads="1"/>
@@ -6227,96 +5255,6 @@
           </a:p>
         </p:txBody>
       </p:sp>
-      <p:sp>
-        <p:nvSpPr>
-          <p:cNvPr id="239" name="Rectangle 4"/>
-          <p:cNvSpPr>
-            <a:spLocks noChangeArrowheads="1"/>
-          </p:cNvSpPr>
-          <p:nvPr/>
-        </p:nvSpPr>
-        <p:spPr bwMode="auto">
-          <a:xfrm>
-            <a:off x="10870406" y="39628926"/>
-            <a:ext cx="8622998" cy="662186"/>
-          </a:xfrm>
-          <a:prstGeom prst="rect">
-            <a:avLst/>
-          </a:prstGeom>
-          <a:noFill/>
-          <a:ln>
-            <a:noFill/>
-          </a:ln>
-          <a:extLst>
-            <a:ext uri="{909E8E84-426E-40DD-AFC4-6F175D3DCCD1}">
-              <a14:hiddenFill xmlns:a14="http://schemas.microsoft.com/office/drawing/2010/main">
-                <a:solidFill>
-                  <a:srgbClr val="FFFFFF"/>
-                </a:solidFill>
-              </a14:hiddenFill>
-            </a:ext>
-            <a:ext uri="{91240B29-F687-4F45-9708-019B960494DF}">
-              <a14:hiddenLine xmlns:a14="http://schemas.microsoft.com/office/drawing/2010/main" w="9525">
-                <a:solidFill>
-                  <a:srgbClr val="000000"/>
-                </a:solidFill>
-                <a:miter lim="800000"/>
-                <a:headEnd/>
-                <a:tailEnd/>
-              </a14:hiddenLine>
-            </a:ext>
-          </a:extLst>
-        </p:spPr>
-        <p:txBody>
-          <a:bodyPr/>
-          <a:lstStyle/>
-          <a:p>
-            <a:pPr algn="l" rtl="0">
-              <a:spcBef>
-                <a:spcPts val="1682"/>
-              </a:spcBef>
-            </a:pPr>
-            <a:r>
-              <a:rPr lang="en-US" sz="2200" b="0" dirty="0">
-                <a:solidFill>
-                  <a:schemeClr val="dk1"/>
-                </a:solidFill>
-                <a:latin typeface="Arial" panose="020B0604020202020204" pitchFamily="34" charset="0"/>
-                <a:cs typeface="+mn-cs"/>
-              </a:rPr>
-              <a:t>MSER regions for a frame of a sailboat. The coordinates supplied by the tracker are marked as a red cross.</a:t>
-            </a:r>
-          </a:p>
-        </p:txBody>
-      </p:sp>
-      <p:pic>
-        <p:nvPicPr>
-          <p:cNvPr id="152" name="Picture 151"/>
-          <p:cNvPicPr/>
-          <p:nvPr/>
-        </p:nvPicPr>
-        <p:blipFill>
-          <a:blip r:embed="rId4">
-            <a:extLst>
-              <a:ext uri="{28A0092B-C50C-407E-A947-70E740481C1C}">
-                <a14:useLocalDpi xmlns:a14="http://schemas.microsoft.com/office/drawing/2010/main" val="0"/>
-              </a:ext>
-            </a:extLst>
-          </a:blip>
-          <a:stretch>
-            <a:fillRect/>
-          </a:stretch>
-        </p:blipFill>
-        <p:spPr>
-          <a:xfrm>
-            <a:off x="10870406" y="34377866"/>
-            <a:ext cx="8622998" cy="5105596"/>
-          </a:xfrm>
-          <a:prstGeom prst="rect">
-            <a:avLst/>
-          </a:prstGeom>
-        </p:spPr>
-      </p:pic>
       <p:pic>
         <p:nvPicPr>
           <p:cNvPr id="133" name="Picture 132"/>
@@ -6326,7 +5264,7 @@
           <p:nvPr/>
         </p:nvPicPr>
         <p:blipFill>
-          <a:blip r:embed="rId5" cstate="print">
+          <a:blip r:embed="rId2" cstate="print">
             <a:extLst>
               <a:ext uri="{28A0092B-C50C-407E-A947-70E740481C1C}">
                 <a14:useLocalDpi xmlns:a14="http://schemas.microsoft.com/office/drawing/2010/main" val="0"/>
@@ -6444,8 +5382,8 @@
         </p:nvSpPr>
         <p:spPr>
           <a:xfrm>
-            <a:off x="10458000" y="8623033"/>
-            <a:ext cx="9360000" cy="13290095"/>
+            <a:off x="10458000" y="8623032"/>
+            <a:ext cx="9360000" cy="33160467"/>
           </a:xfrm>
           <a:prstGeom prst="roundRect">
             <a:avLst>
@@ -6582,54 +5520,6 @@
       </p:sp>
       <p:sp>
         <p:nvSpPr>
-          <p:cNvPr id="153" name="Rounded Rectangle 172"/>
-          <p:cNvSpPr/>
-          <p:nvPr/>
-        </p:nvSpPr>
-        <p:spPr>
-          <a:xfrm>
-            <a:off x="10458000" y="22381091"/>
-            <a:ext cx="9360000" cy="19402410"/>
-          </a:xfrm>
-          <a:prstGeom prst="roundRect">
-            <a:avLst>
-              <a:gd name="adj" fmla="val 2058"/>
-            </a:avLst>
-          </a:prstGeom>
-          <a:noFill/>
-          <a:ln w="76200" cap="flat" cmpd="sng" algn="ctr">
-            <a:solidFill>
-              <a:srgbClr val="124872"/>
-            </a:solidFill>
-            <a:prstDash val="solid"/>
-          </a:ln>
-          <a:effectLst/>
-        </p:spPr>
-        <p:txBody>
-          <a:bodyPr rtlCol="1" anchor="ctr"/>
-          <a:lstStyle/>
-          <a:p>
-            <a:pPr algn="ctr" defTabSz="854324" fontAlgn="auto">
-              <a:spcBef>
-                <a:spcPts val="0"/>
-              </a:spcBef>
-              <a:spcAft>
-                <a:spcPts val="0"/>
-              </a:spcAft>
-              <a:defRPr/>
-            </a:pPr>
-            <a:endParaRPr lang="he-IL" sz="7661" b="0" kern="0">
-              <a:solidFill>
-                <a:srgbClr val="FFFFFF"/>
-              </a:solidFill>
-              <a:latin typeface="Arial" panose="020B0604020202020204" pitchFamily="34" charset="0"/>
-              <a:cs typeface="Arial" panose="020B0604020202020204" pitchFamily="34" charset="0"/>
-            </a:endParaRPr>
-          </a:p>
-        </p:txBody>
-      </p:sp>
-      <p:sp>
-        <p:nvSpPr>
           <p:cNvPr id="154" name="Rounded Rectangle 199"/>
           <p:cNvSpPr/>
           <p:nvPr/>
@@ -6691,7 +5581,7 @@
           <p:nvPr/>
         </p:nvPicPr>
         <p:blipFill>
-          <a:blip r:embed="rId6" cstate="print">
+          <a:blip r:embed="rId3" cstate="print">
             <a:extLst>
               <a:ext uri="{28A0092B-C50C-407E-A947-70E740481C1C}">
                 <a14:useLocalDpi xmlns:a14="http://schemas.microsoft.com/office/drawing/2010/main" val="0"/>
@@ -6727,7 +5617,7 @@
           <p:nvPr/>
         </p:nvPicPr>
         <p:blipFill>
-          <a:blip r:embed="rId7">
+          <a:blip r:embed="rId4">
             <a:extLst>
               <a:ext uri="{28A0092B-C50C-407E-A947-70E740481C1C}">
                 <a14:useLocalDpi xmlns:a14="http://schemas.microsoft.com/office/drawing/2010/main" val="0"/>
@@ -6763,7 +5653,7 @@
           <p:nvPr/>
         </p:nvPicPr>
         <p:blipFill>
-          <a:blip r:embed="rId8">
+          <a:blip r:embed="rId5">
             <a:extLst>
               <a:ext uri="{28A0092B-C50C-407E-A947-70E740481C1C}">
                 <a14:useLocalDpi xmlns:a14="http://schemas.microsoft.com/office/drawing/2010/main" val="0"/>
@@ -6799,7 +5689,7 @@
         <p:spPr>
           <a:xfrm>
             <a:off x="806508" y="22845002"/>
-            <a:ext cx="9156638" cy="6285375"/>
+            <a:ext cx="9156638" cy="5592878"/>
           </a:xfrm>
           <a:prstGeom prst="rect">
             <a:avLst/>
@@ -6919,26 +5809,7 @@
                 <a:effectLst/>
                 <a:cs typeface="Assistant" pitchFamily="2" charset="-79"/>
               </a:rPr>
-              <a:t> must decide whether the program can run with the </a:t>
-            </a:r>
-            <a:br>
-              <a:rPr lang="en-US" sz="3000" b="0" i="0" dirty="0">
-                <a:solidFill>
-                  <a:srgbClr val="002060"/>
-                </a:solidFill>
-                <a:effectLst/>
-                <a:cs typeface="Assistant" pitchFamily="2" charset="-79"/>
-              </a:rPr>
-            </a:br>
-            <a:r>
-              <a:rPr lang="en-US" sz="3000" b="0" i="0" dirty="0">
-                <a:solidFill>
-                  <a:srgbClr val="002060"/>
-                </a:solidFill>
-                <a:effectLst/>
-                <a:cs typeface="Assistant" pitchFamily="2" charset="-79"/>
-              </a:rPr>
-              <a:t>different constraints or whether re-planning is needed.</a:t>
+              <a:t> must decide whether the program can run with the different constraints or whether re-planning is needed.</a:t>
             </a:r>
           </a:p>
         </p:txBody>
@@ -6958,7 +5829,7 @@
           <p:nvPr/>
         </p:nvPicPr>
         <p:blipFill>
-          <a:blip r:embed="rId9"/>
+          <a:blip r:embed="rId6"/>
           <a:stretch>
             <a:fillRect/>
           </a:stretch>
@@ -6988,7 +5859,7 @@
           <p:nvPr/>
         </p:nvPicPr>
         <p:blipFill>
-          <a:blip r:embed="rId10"/>
+          <a:blip r:embed="rId7"/>
           <a:stretch>
             <a:fillRect/>
           </a:stretch>
@@ -7215,6 +6086,685 @@
               <a:effectLst/>
               <a:cs typeface="Assistant" pitchFamily="2" charset="-79"/>
             </a:endParaRPr>
+          </a:p>
+        </p:txBody>
+      </p:sp>
+      <p:sp>
+        <p:nvSpPr>
+          <p:cNvPr id="56" name="תיבת טקסט 55">
+            <a:extLst>
+              <a:ext uri="{FF2B5EF4-FFF2-40B4-BE49-F238E27FC236}">
+                <a16:creationId xmlns:a16="http://schemas.microsoft.com/office/drawing/2014/main" id="{812B2DA3-62F9-47B6-8241-D33A29C59357}"/>
+              </a:ext>
+            </a:extLst>
+          </p:cNvPr>
+          <p:cNvSpPr txBox="1"/>
+          <p:nvPr/>
+        </p:nvSpPr>
+        <p:spPr>
+          <a:xfrm>
+            <a:off x="780314" y="29777442"/>
+            <a:ext cx="8858357" cy="2095061"/>
+          </a:xfrm>
+          <a:prstGeom prst="rect">
+            <a:avLst/>
+          </a:prstGeom>
+          <a:noFill/>
+        </p:spPr>
+        <p:txBody>
+          <a:bodyPr wrap="square" rtlCol="1">
+            <a:spAutoFit/>
+          </a:bodyPr>
+          <a:lstStyle/>
+          <a:p>
+            <a:pPr marL="457200" indent="-457200" algn="l" rtl="0">
+              <a:lnSpc>
+                <a:spcPct val="150000"/>
+              </a:lnSpc>
+              <a:buFont typeface="Wingdings" panose="05000000000000000000" pitchFamily="2" charset="2"/>
+              <a:buChar char="§"/>
+            </a:pPr>
+            <a:r>
+              <a:rPr lang="en-US" sz="3000" b="0" dirty="0">
+                <a:solidFill>
+                  <a:srgbClr val="002060"/>
+                </a:solidFill>
+              </a:rPr>
+              <a:t>Planning with times and constrains in real time.</a:t>
+            </a:r>
+            <a:endParaRPr lang="he-IL" sz="3000" b="0" dirty="0">
+              <a:solidFill>
+                <a:srgbClr val="002060"/>
+              </a:solidFill>
+            </a:endParaRPr>
+          </a:p>
+          <a:p>
+            <a:pPr marL="457200" indent="-457200" algn="l" rtl="0">
+              <a:lnSpc>
+                <a:spcPct val="150000"/>
+              </a:lnSpc>
+              <a:buFont typeface="Wingdings" panose="05000000000000000000" pitchFamily="2" charset="2"/>
+              <a:buChar char="§"/>
+            </a:pPr>
+            <a:r>
+              <a:rPr lang="en-US" sz="3000" b="0" dirty="0">
+                <a:solidFill>
+                  <a:srgbClr val="002060"/>
+                </a:solidFill>
+              </a:rPr>
+              <a:t>Feedback from the online algorithm to the offline algorithm.</a:t>
+            </a:r>
+          </a:p>
+        </p:txBody>
+      </p:sp>
+      <p:sp>
+        <p:nvSpPr>
+          <p:cNvPr id="57" name="Rectangle 4">
+            <a:extLst>
+              <a:ext uri="{FF2B5EF4-FFF2-40B4-BE49-F238E27FC236}">
+                <a16:creationId xmlns:a16="http://schemas.microsoft.com/office/drawing/2014/main" id="{A41E4C47-AF34-48BA-BCC9-DE06FEC7484D}"/>
+              </a:ext>
+            </a:extLst>
+          </p:cNvPr>
+          <p:cNvSpPr>
+            <a:spLocks noChangeArrowheads="1"/>
+          </p:cNvSpPr>
+          <p:nvPr/>
+        </p:nvSpPr>
+        <p:spPr bwMode="auto">
+          <a:xfrm>
+            <a:off x="10727606" y="14577330"/>
+            <a:ext cx="8820000" cy="9186751"/>
+          </a:xfrm>
+          <a:prstGeom prst="rect">
+            <a:avLst/>
+          </a:prstGeom>
+          <a:noFill/>
+          <a:ln>
+            <a:noFill/>
+          </a:ln>
+          <a:extLst>
+            <a:ext uri="{909E8E84-426E-40DD-AFC4-6F175D3DCCD1}">
+              <a14:hiddenFill xmlns:a14="http://schemas.microsoft.com/office/drawing/2010/main">
+                <a:solidFill>
+                  <a:srgbClr val="FFFFFF"/>
+                </a:solidFill>
+              </a14:hiddenFill>
+            </a:ext>
+            <a:ext uri="{91240B29-F687-4F45-9708-019B960494DF}">
+              <a14:hiddenLine xmlns:a14="http://schemas.microsoft.com/office/drawing/2010/main" w="9525">
+                <a:solidFill>
+                  <a:srgbClr val="000000"/>
+                </a:solidFill>
+                <a:miter lim="800000"/>
+                <a:headEnd/>
+                <a:tailEnd/>
+              </a14:hiddenLine>
+            </a:ext>
+          </a:extLst>
+        </p:spPr>
+        <p:txBody>
+          <a:bodyPr/>
+          <a:lstStyle/>
+          <a:p>
+            <a:pPr marL="457200" indent="-457200" algn="l" rtl="0">
+              <a:lnSpc>
+                <a:spcPct val="150000"/>
+              </a:lnSpc>
+              <a:buFont typeface="Wingdings" panose="05000000000000000000" pitchFamily="2" charset="2"/>
+              <a:buChar char="§"/>
+            </a:pPr>
+            <a:r>
+              <a:rPr lang="en-US" sz="3000" dirty="0">
+                <a:solidFill>
+                  <a:srgbClr val="002060"/>
+                </a:solidFill>
+              </a:rPr>
+              <a:t>Offline Planner </a:t>
+            </a:r>
+            <a:r>
+              <a:rPr lang="en-US" sz="3000" b="0" dirty="0">
+                <a:solidFill>
+                  <a:srgbClr val="002060"/>
+                </a:solidFill>
+              </a:rPr>
+              <a:t>– is the Offline Algorithm.</a:t>
+            </a:r>
+          </a:p>
+          <a:p>
+            <a:pPr marL="457200" indent="-457200" algn="l" rtl="0">
+              <a:lnSpc>
+                <a:spcPct val="150000"/>
+              </a:lnSpc>
+              <a:buFont typeface="Wingdings" panose="05000000000000000000" pitchFamily="2" charset="2"/>
+              <a:buChar char="§"/>
+            </a:pPr>
+            <a:r>
+              <a:rPr lang="en-US" sz="3000" dirty="0">
+                <a:solidFill>
+                  <a:srgbClr val="002060"/>
+                </a:solidFill>
+              </a:rPr>
+              <a:t>Program manager </a:t>
+            </a:r>
+            <a:r>
+              <a:rPr lang="en-US" sz="3000" b="0" dirty="0">
+                <a:solidFill>
+                  <a:srgbClr val="002060"/>
+                </a:solidFill>
+              </a:rPr>
+              <a:t>– is the linking chain between the offline algorithm and the online algorithm. Responsible for creating the different modules and their connections.</a:t>
+            </a:r>
+          </a:p>
+          <a:p>
+            <a:pPr marL="457200" indent="-457200" algn="l" rtl="0">
+              <a:lnSpc>
+                <a:spcPct val="150000"/>
+              </a:lnSpc>
+              <a:buFont typeface="Wingdings" panose="05000000000000000000" pitchFamily="2" charset="2"/>
+              <a:buChar char="§"/>
+            </a:pPr>
+            <a:r>
+              <a:rPr lang="en-US" sz="3000" dirty="0">
+                <a:solidFill>
+                  <a:srgbClr val="002060"/>
+                </a:solidFill>
+              </a:rPr>
+              <a:t>Controller</a:t>
+            </a:r>
+            <a:r>
+              <a:rPr lang="en-US" sz="3000" b="0" dirty="0">
+                <a:solidFill>
+                  <a:srgbClr val="002060"/>
+                </a:solidFill>
+              </a:rPr>
+              <a:t> – is the control tower. The controller </a:t>
+            </a:r>
+            <a:r>
+              <a:rPr lang="en-US" sz="3000" b="0" i="0" dirty="0">
+                <a:solidFill>
+                  <a:srgbClr val="002060"/>
+                </a:solidFill>
+                <a:effectLst/>
+                <a:latin typeface="Arial" panose="020B0604020202020204" pitchFamily="34" charset="0"/>
+                <a:cs typeface="Arial" panose="020B0604020202020204" pitchFamily="34" charset="0"/>
+              </a:rPr>
+              <a:t>decides on the following actions that will be sent to the environment for </a:t>
+            </a:r>
+            <a:r>
+              <a:rPr lang="en-US" sz="3000" b="0" dirty="0">
+                <a:solidFill>
+                  <a:srgbClr val="002060"/>
+                </a:solidFill>
+                <a:latin typeface="Arial" panose="020B0604020202020204" pitchFamily="34" charset="0"/>
+                <a:cs typeface="Arial" panose="020B0604020202020204" pitchFamily="34" charset="0"/>
+              </a:rPr>
+              <a:t>execution. The main data structure that it uses is:</a:t>
+            </a:r>
+          </a:p>
+          <a:p>
+            <a:pPr marL="899084" lvl="1" indent="-457200" algn="l" rtl="0">
+              <a:lnSpc>
+                <a:spcPct val="150000"/>
+              </a:lnSpc>
+              <a:buFont typeface="Courier New" panose="02070309020205020404" pitchFamily="49" charset="0"/>
+              <a:buChar char="o"/>
+            </a:pPr>
+            <a:r>
+              <a:rPr lang="en-US" sz="3000" b="0" dirty="0">
+                <a:solidFill>
+                  <a:srgbClr val="002060"/>
+                </a:solidFill>
+                <a:latin typeface="Arial" panose="020B0604020202020204" pitchFamily="34" charset="0"/>
+                <a:cs typeface="Arial" panose="020B0604020202020204" pitchFamily="34" charset="0"/>
+              </a:rPr>
+              <a:t>STN graph:</a:t>
+            </a:r>
+          </a:p>
+          <a:p>
+            <a:pPr lvl="1" algn="l" rtl="0">
+              <a:lnSpc>
+                <a:spcPct val="150000"/>
+              </a:lnSpc>
+            </a:pPr>
+            <a:r>
+              <a:rPr lang="en-US" sz="3000" b="0" dirty="0">
+                <a:solidFill>
+                  <a:srgbClr val="002060"/>
+                </a:solidFill>
+                <a:latin typeface="Arial" panose="020B0604020202020204" pitchFamily="34" charset="0"/>
+                <a:cs typeface="Arial" panose="020B0604020202020204" pitchFamily="34" charset="0"/>
+              </a:rPr>
+              <a:t>The </a:t>
+            </a:r>
+            <a:r>
+              <a:rPr lang="en-US" sz="3000" b="0" dirty="0" err="1">
+                <a:solidFill>
+                  <a:srgbClr val="002060"/>
+                </a:solidFill>
+                <a:latin typeface="Arial" panose="020B0604020202020204" pitchFamily="34" charset="0"/>
+                <a:cs typeface="Arial" panose="020B0604020202020204" pitchFamily="34" charset="0"/>
+              </a:rPr>
+              <a:t>Offline’s</a:t>
+            </a:r>
+            <a:r>
+              <a:rPr lang="en-US" sz="3000" b="0" dirty="0">
+                <a:solidFill>
+                  <a:srgbClr val="002060"/>
+                </a:solidFill>
+                <a:latin typeface="Arial" panose="020B0604020202020204" pitchFamily="34" charset="0"/>
+                <a:cs typeface="Arial" panose="020B0604020202020204" pitchFamily="34" charset="0"/>
+              </a:rPr>
+              <a:t> output is a STN graph in a table configuration, </a:t>
+            </a:r>
+            <a:r>
+              <a:rPr lang="en-US" sz="3000" b="0" dirty="0">
+                <a:solidFill>
+                  <a:srgbClr val="002060"/>
+                </a:solidFill>
+              </a:rPr>
+              <a:t>The controller transforms the table to an a-cyclic directed graph</a:t>
+            </a:r>
+          </a:p>
+          <a:p>
+            <a:pPr lvl="1" algn="l" rtl="0">
+              <a:lnSpc>
+                <a:spcPct val="150000"/>
+              </a:lnSpc>
+            </a:pPr>
+            <a:endParaRPr lang="en-US" sz="3000" b="0" dirty="0">
+              <a:solidFill>
+                <a:srgbClr val="002060"/>
+              </a:solidFill>
+              <a:latin typeface="Arial" panose="020B0604020202020204" pitchFamily="34" charset="0"/>
+              <a:cs typeface="Arial" panose="020B0604020202020204" pitchFamily="34" charset="0"/>
+            </a:endParaRPr>
+          </a:p>
+          <a:p>
+            <a:pPr marL="457200" indent="-457200" algn="l" rtl="0">
+              <a:lnSpc>
+                <a:spcPct val="150000"/>
+              </a:lnSpc>
+              <a:buFont typeface="Wingdings" panose="05000000000000000000" pitchFamily="2" charset="2"/>
+              <a:buChar char="§"/>
+            </a:pPr>
+            <a:endParaRPr lang="en-US" sz="3000" b="0" dirty="0">
+              <a:solidFill>
+                <a:srgbClr val="002060"/>
+              </a:solidFill>
+            </a:endParaRPr>
+          </a:p>
+          <a:p>
+            <a:pPr algn="l" rtl="0">
+              <a:lnSpc>
+                <a:spcPct val="150000"/>
+              </a:lnSpc>
+            </a:pPr>
+            <a:endParaRPr lang="en-US" sz="1800" dirty="0">
+              <a:solidFill>
+                <a:srgbClr val="002060"/>
+              </a:solidFill>
+            </a:endParaRPr>
+          </a:p>
+          <a:p>
+            <a:pPr marL="457200" indent="-457200" algn="l" rtl="0">
+              <a:lnSpc>
+                <a:spcPct val="150000"/>
+              </a:lnSpc>
+              <a:buFont typeface="Wingdings" panose="05000000000000000000" pitchFamily="2" charset="2"/>
+              <a:buChar char="§"/>
+            </a:pPr>
+            <a:endParaRPr lang="en-US" sz="2990" b="0" dirty="0">
+              <a:solidFill>
+                <a:srgbClr val="000060"/>
+              </a:solidFill>
+              <a:latin typeface="Arial" panose="020B0604020202020204" pitchFamily="34" charset="0"/>
+              <a:cs typeface="Arial" panose="020B0604020202020204" pitchFamily="34" charset="0"/>
+            </a:endParaRPr>
+          </a:p>
+        </p:txBody>
+      </p:sp>
+      <p:sp>
+        <p:nvSpPr>
+          <p:cNvPr id="60" name="Rectangle 4">
+            <a:extLst>
+              <a:ext uri="{FF2B5EF4-FFF2-40B4-BE49-F238E27FC236}">
+                <a16:creationId xmlns:a16="http://schemas.microsoft.com/office/drawing/2014/main" id="{ED32E835-2B9D-43E3-86A9-B063266FB61C}"/>
+              </a:ext>
+            </a:extLst>
+          </p:cNvPr>
+          <p:cNvSpPr>
+            <a:spLocks noChangeArrowheads="1"/>
+          </p:cNvSpPr>
+          <p:nvPr/>
+        </p:nvSpPr>
+        <p:spPr bwMode="auto">
+          <a:xfrm>
+            <a:off x="10585860" y="30953445"/>
+            <a:ext cx="8820000" cy="10466626"/>
+          </a:xfrm>
+          <a:prstGeom prst="rect">
+            <a:avLst/>
+          </a:prstGeom>
+          <a:noFill/>
+          <a:ln>
+            <a:noFill/>
+          </a:ln>
+          <a:extLst>
+            <a:ext uri="{909E8E84-426E-40DD-AFC4-6F175D3DCCD1}">
+              <a14:hiddenFill xmlns:a14="http://schemas.microsoft.com/office/drawing/2010/main">
+                <a:solidFill>
+                  <a:srgbClr val="FFFFFF"/>
+                </a:solidFill>
+              </a14:hiddenFill>
+            </a:ext>
+            <a:ext uri="{91240B29-F687-4F45-9708-019B960494DF}">
+              <a14:hiddenLine xmlns:a14="http://schemas.microsoft.com/office/drawing/2010/main" w="9525">
+                <a:solidFill>
+                  <a:srgbClr val="000000"/>
+                </a:solidFill>
+                <a:miter lim="800000"/>
+                <a:headEnd/>
+                <a:tailEnd/>
+              </a14:hiddenLine>
+            </a:ext>
+          </a:extLst>
+        </p:spPr>
+        <p:txBody>
+          <a:bodyPr/>
+          <a:lstStyle/>
+          <a:p>
+            <a:pPr marL="457200" indent="-457200" algn="l" rtl="0">
+              <a:lnSpc>
+                <a:spcPct val="150000"/>
+              </a:lnSpc>
+              <a:buFont typeface="Wingdings" panose="05000000000000000000" pitchFamily="2" charset="2"/>
+              <a:buChar char="§"/>
+            </a:pPr>
+            <a:r>
+              <a:rPr lang="en-US" sz="3000" dirty="0">
+                <a:solidFill>
+                  <a:srgbClr val="000060"/>
+                </a:solidFill>
+                <a:latin typeface="Arial" panose="020B0604020202020204" pitchFamily="34" charset="0"/>
+                <a:cs typeface="Arial" panose="020B0604020202020204" pitchFamily="34" charset="0"/>
+              </a:rPr>
+              <a:t>Simulator </a:t>
+            </a:r>
+            <a:r>
+              <a:rPr lang="en-US" sz="3000" b="0" dirty="0">
+                <a:solidFill>
+                  <a:srgbClr val="000060"/>
+                </a:solidFill>
+                <a:latin typeface="Arial" panose="020B0604020202020204" pitchFamily="34" charset="0"/>
+                <a:cs typeface="Arial" panose="020B0604020202020204" pitchFamily="34" charset="0"/>
+              </a:rPr>
+              <a:t>– </a:t>
+            </a:r>
+            <a:r>
+              <a:rPr lang="en-US" sz="3000" b="0" dirty="0">
+                <a:solidFill>
+                  <a:srgbClr val="002060"/>
+                </a:solidFill>
+                <a:latin typeface="Arial" panose="020B0604020202020204" pitchFamily="34" charset="0"/>
+                <a:cs typeface="Arial" panose="020B0604020202020204" pitchFamily="34" charset="0"/>
+              </a:rPr>
+              <a:t>is </a:t>
+            </a:r>
+            <a:r>
+              <a:rPr lang="en-US" sz="3000" b="0" dirty="0">
+                <a:solidFill>
+                  <a:srgbClr val="002060"/>
+                </a:solidFill>
+              </a:rPr>
+              <a:t>simulates the world. The simulator is the executing factor. It takes actions and orders and executes them.</a:t>
+            </a:r>
+          </a:p>
+          <a:p>
+            <a:pPr marL="457200" indent="-457200" algn="l" rtl="0">
+              <a:lnSpc>
+                <a:spcPct val="150000"/>
+              </a:lnSpc>
+              <a:buFont typeface="Wingdings" panose="05000000000000000000" pitchFamily="2" charset="2"/>
+              <a:buChar char="§"/>
+            </a:pPr>
+            <a:r>
+              <a:rPr lang="en-US" sz="3000" dirty="0">
+                <a:solidFill>
+                  <a:srgbClr val="002060"/>
+                </a:solidFill>
+              </a:rPr>
+              <a:t>State</a:t>
+            </a:r>
+            <a:r>
+              <a:rPr lang="en-US" sz="3000" b="0" dirty="0">
+                <a:solidFill>
+                  <a:srgbClr val="002060"/>
+                </a:solidFill>
+              </a:rPr>
+              <a:t> - Represents the state of the world at any given moment.</a:t>
+            </a:r>
+          </a:p>
+          <a:p>
+            <a:pPr marL="457200" indent="-457200" algn="l" rtl="0">
+              <a:lnSpc>
+                <a:spcPct val="150000"/>
+              </a:lnSpc>
+              <a:buFont typeface="Wingdings" panose="05000000000000000000" pitchFamily="2" charset="2"/>
+              <a:buChar char="§"/>
+            </a:pPr>
+            <a:r>
+              <a:rPr lang="en-US" sz="3000" dirty="0">
+                <a:solidFill>
+                  <a:srgbClr val="002060"/>
+                </a:solidFill>
+              </a:rPr>
+              <a:t>Clock</a:t>
+            </a:r>
+            <a:r>
+              <a:rPr lang="en-US" sz="3000" b="0" dirty="0">
+                <a:solidFill>
+                  <a:srgbClr val="002060"/>
+                </a:solidFill>
+              </a:rPr>
+              <a:t> - Represents the timeline that is discreetly represented. Is a global module.</a:t>
+            </a:r>
+          </a:p>
+          <a:p>
+            <a:pPr marL="457200" indent="-457200" algn="l" rtl="0">
+              <a:lnSpc>
+                <a:spcPct val="150000"/>
+              </a:lnSpc>
+              <a:buFont typeface="Wingdings" panose="05000000000000000000" pitchFamily="2" charset="2"/>
+              <a:buChar char="§"/>
+            </a:pPr>
+            <a:r>
+              <a:rPr lang="en-US" sz="3000" dirty="0">
+                <a:solidFill>
+                  <a:srgbClr val="002060"/>
+                </a:solidFill>
+              </a:rPr>
+              <a:t>Events</a:t>
+            </a:r>
+            <a:r>
+              <a:rPr lang="en-US" sz="3000" b="0" dirty="0">
+                <a:solidFill>
+                  <a:srgbClr val="002060"/>
+                </a:solidFill>
+              </a:rPr>
+              <a:t> - A list of signals through which all modules communicate. This is a communication protocol that we've created. Is a global module.</a:t>
+            </a:r>
+          </a:p>
+          <a:p>
+            <a:pPr marL="457200" indent="-457200" algn="l" rtl="0">
+              <a:lnSpc>
+                <a:spcPct val="150000"/>
+              </a:lnSpc>
+              <a:buFont typeface="Wingdings" panose="05000000000000000000" pitchFamily="2" charset="2"/>
+              <a:buChar char="§"/>
+            </a:pPr>
+            <a:r>
+              <a:rPr lang="en-US" sz="3000" dirty="0">
+                <a:solidFill>
+                  <a:srgbClr val="002060"/>
+                </a:solidFill>
+              </a:rPr>
+              <a:t>Interrupt</a:t>
+            </a:r>
+            <a:r>
+              <a:rPr lang="en-US" sz="3000" b="0" dirty="0">
+                <a:solidFill>
+                  <a:srgbClr val="002060"/>
+                </a:solidFill>
+              </a:rPr>
+              <a:t> - Produces Interrupts that are sent to the simulator. The module is random in two ways:</a:t>
+            </a:r>
+          </a:p>
+          <a:p>
+            <a:pPr marL="899084" lvl="1" indent="-457200" algn="l" rtl="0">
+              <a:lnSpc>
+                <a:spcPct val="150000"/>
+              </a:lnSpc>
+              <a:buFont typeface="Courier New" panose="02070309020205020404" pitchFamily="49" charset="0"/>
+              <a:buChar char="o"/>
+            </a:pPr>
+            <a:r>
+              <a:rPr lang="en-US" sz="3000" b="0" dirty="0">
+                <a:solidFill>
+                  <a:srgbClr val="002060"/>
+                </a:solidFill>
+              </a:rPr>
+              <a:t>Frequency of Interrupt.</a:t>
+            </a:r>
+          </a:p>
+          <a:p>
+            <a:pPr marL="899084" lvl="1" indent="-457200" algn="l" rtl="0">
+              <a:lnSpc>
+                <a:spcPct val="150000"/>
+              </a:lnSpc>
+              <a:buFont typeface="Courier New" panose="02070309020205020404" pitchFamily="49" charset="0"/>
+              <a:buChar char="o"/>
+            </a:pPr>
+            <a:r>
+              <a:rPr lang="en-US" sz="3000" b="0" dirty="0">
+                <a:solidFill>
+                  <a:srgbClr val="002060"/>
+                </a:solidFill>
+              </a:rPr>
+              <a:t>Interrupt’s duration.</a:t>
+            </a:r>
+          </a:p>
+          <a:p>
+            <a:pPr algn="l" rtl="0">
+              <a:lnSpc>
+                <a:spcPct val="150000"/>
+              </a:lnSpc>
+            </a:pPr>
+            <a:endParaRPr lang="en-US" sz="2990" b="0" dirty="0">
+              <a:solidFill>
+                <a:srgbClr val="000060"/>
+              </a:solidFill>
+              <a:latin typeface="Arial" panose="020B0604020202020204" pitchFamily="34" charset="0"/>
+              <a:cs typeface="Arial" panose="020B0604020202020204" pitchFamily="34" charset="0"/>
+            </a:endParaRPr>
+          </a:p>
+        </p:txBody>
+      </p:sp>
+      <p:pic>
+        <p:nvPicPr>
+          <p:cNvPr id="61" name="תמונה 60">
+            <a:extLst>
+              <a:ext uri="{FF2B5EF4-FFF2-40B4-BE49-F238E27FC236}">
+                <a16:creationId xmlns:a16="http://schemas.microsoft.com/office/drawing/2014/main" id="{0AE98BBF-7FBC-45C7-91BA-1FEBEEDE20D5}"/>
+              </a:ext>
+            </a:extLst>
+          </p:cNvPr>
+          <p:cNvPicPr>
+            <a:picLocks noChangeAspect="1"/>
+          </p:cNvPicPr>
+          <p:nvPr/>
+        </p:nvPicPr>
+        <p:blipFill>
+          <a:blip r:embed="rId8"/>
+          <a:stretch>
+            <a:fillRect/>
+          </a:stretch>
+        </p:blipFill>
+        <p:spPr>
+          <a:xfrm>
+            <a:off x="13078021" y="24125076"/>
+            <a:ext cx="4063451" cy="5720621"/>
+          </a:xfrm>
+          <a:prstGeom prst="rect">
+            <a:avLst/>
+          </a:prstGeom>
+        </p:spPr>
+      </p:pic>
+      <p:sp>
+        <p:nvSpPr>
+          <p:cNvPr id="62" name="Rectangle 4">
+            <a:extLst>
+              <a:ext uri="{FF2B5EF4-FFF2-40B4-BE49-F238E27FC236}">
+                <a16:creationId xmlns:a16="http://schemas.microsoft.com/office/drawing/2014/main" id="{8ADB7D53-9713-4D78-B769-91D58C2C9BDF}"/>
+              </a:ext>
+            </a:extLst>
+          </p:cNvPr>
+          <p:cNvSpPr>
+            <a:spLocks noChangeArrowheads="1"/>
+          </p:cNvSpPr>
+          <p:nvPr/>
+        </p:nvSpPr>
+        <p:spPr bwMode="auto">
+          <a:xfrm>
+            <a:off x="10230844" y="30210089"/>
+            <a:ext cx="9119291" cy="425186"/>
+          </a:xfrm>
+          <a:prstGeom prst="rect">
+            <a:avLst/>
+          </a:prstGeom>
+          <a:noFill/>
+          <a:ln>
+            <a:noFill/>
+          </a:ln>
+          <a:extLst>
+            <a:ext uri="{909E8E84-426E-40DD-AFC4-6F175D3DCCD1}">
+              <a14:hiddenFill xmlns:a14="http://schemas.microsoft.com/office/drawing/2010/main">
+                <a:solidFill>
+                  <a:srgbClr val="FFFFFF"/>
+                </a:solidFill>
+              </a14:hiddenFill>
+            </a:ext>
+            <a:ext uri="{91240B29-F687-4F45-9708-019B960494DF}">
+              <a14:hiddenLine xmlns:a14="http://schemas.microsoft.com/office/drawing/2010/main" w="9525">
+                <a:solidFill>
+                  <a:srgbClr val="000000"/>
+                </a:solidFill>
+                <a:miter lim="800000"/>
+                <a:headEnd/>
+                <a:tailEnd/>
+              </a14:hiddenLine>
+            </a:ext>
+          </a:extLst>
+        </p:spPr>
+        <p:txBody>
+          <a:bodyPr/>
+          <a:lstStyle/>
+          <a:p>
+            <a:pPr algn="ctr" rtl="0">
+              <a:spcBef>
+                <a:spcPts val="1682"/>
+              </a:spcBef>
+            </a:pPr>
+            <a:r>
+              <a:rPr lang="en-US" sz="2200" b="0" dirty="0">
+                <a:solidFill>
+                  <a:schemeClr val="dk1"/>
+                </a:solidFill>
+                <a:latin typeface="Arial" panose="020B0604020202020204" pitchFamily="34" charset="0"/>
+                <a:cs typeface="Arial" panose="020B0604020202020204" pitchFamily="34" charset="0"/>
+              </a:rPr>
+              <a:t>STN Graph</a:t>
+            </a:r>
           </a:p>
         </p:txBody>
       </p:sp>

--- a/חומר עזר לפרויקט/‏‏ספר פרויקט + מצגת/HY_poster.pptx
+++ b/חומר עזר לפרויקט/‏‏ספר פרויקט + מצגת/HY_poster.pptx
@@ -6768,6 +6768,66 @@
           </a:p>
         </p:txBody>
       </p:sp>
+      <p:pic>
+        <p:nvPicPr>
+          <p:cNvPr id="39" name="תמונה 38">
+            <a:extLst>
+              <a:ext uri="{FF2B5EF4-FFF2-40B4-BE49-F238E27FC236}">
+                <a16:creationId xmlns:a16="http://schemas.microsoft.com/office/drawing/2014/main" id="{F37D9133-F340-4B4A-BF4E-9B1644FBF8D0}"/>
+              </a:ext>
+            </a:extLst>
+          </p:cNvPr>
+          <p:cNvPicPr>
+            <a:picLocks noChangeAspect="1"/>
+          </p:cNvPicPr>
+          <p:nvPr/>
+        </p:nvPicPr>
+        <p:blipFill>
+          <a:blip r:embed="rId9"/>
+          <a:stretch>
+            <a:fillRect/>
+          </a:stretch>
+        </p:blipFill>
+        <p:spPr>
+          <a:xfrm>
+            <a:off x="21233606" y="10316579"/>
+            <a:ext cx="7461993" cy="5452378"/>
+          </a:xfrm>
+          <a:prstGeom prst="rect">
+            <a:avLst/>
+          </a:prstGeom>
+        </p:spPr>
+      </p:pic>
+      <p:pic>
+        <p:nvPicPr>
+          <p:cNvPr id="40" name="תמונה 39">
+            <a:extLst>
+              <a:ext uri="{FF2B5EF4-FFF2-40B4-BE49-F238E27FC236}">
+                <a16:creationId xmlns:a16="http://schemas.microsoft.com/office/drawing/2014/main" id="{973FBD27-5ECD-4115-B35A-4035B0553BA9}"/>
+              </a:ext>
+            </a:extLst>
+          </p:cNvPr>
+          <p:cNvPicPr>
+            <a:picLocks noChangeAspect="1"/>
+          </p:cNvPicPr>
+          <p:nvPr/>
+        </p:nvPicPr>
+        <p:blipFill>
+          <a:blip r:embed="rId10"/>
+          <a:stretch>
+            <a:fillRect/>
+          </a:stretch>
+        </p:blipFill>
+        <p:spPr>
+          <a:xfrm>
+            <a:off x="22088206" y="16044369"/>
+            <a:ext cx="5807947" cy="6790174"/>
+          </a:xfrm>
+          <a:prstGeom prst="rect">
+            <a:avLst/>
+          </a:prstGeom>
+        </p:spPr>
+      </p:pic>
     </p:spTree>
   </p:cSld>
   <p:clrMapOvr>

--- a/חומר עזר לפרויקט/‏‏ספר פרויקט + מצגת/HY_poster.pptx
+++ b/חומר עזר לפרויקט/‏‏ספר פרויקט + מצגת/HY_poster.pptx
@@ -6790,8 +6790,8 @@
         </p:blipFill>
         <p:spPr>
           <a:xfrm>
-            <a:off x="21233606" y="10316579"/>
-            <a:ext cx="7461993" cy="5452378"/>
+            <a:off x="20728531" y="11155738"/>
+            <a:ext cx="8338511" cy="5542967"/>
           </a:xfrm>
           <a:prstGeom prst="rect">
             <a:avLst/>
@@ -6820,14 +6820,486 @@
         </p:blipFill>
         <p:spPr>
           <a:xfrm>
-            <a:off x="22088206" y="16044369"/>
-            <a:ext cx="5807947" cy="6790174"/>
+            <a:off x="21846387" y="17547322"/>
+            <a:ext cx="6622643" cy="4540359"/>
           </a:xfrm>
           <a:prstGeom prst="rect">
             <a:avLst/>
           </a:prstGeom>
         </p:spPr>
       </p:pic>
+      <p:pic>
+        <p:nvPicPr>
+          <p:cNvPr id="43" name="תמונה 42">
+            <a:extLst>
+              <a:ext uri="{FF2B5EF4-FFF2-40B4-BE49-F238E27FC236}">
+                <a16:creationId xmlns:a16="http://schemas.microsoft.com/office/drawing/2014/main" id="{F4A579EA-3E2B-4103-BD9A-FDD9ED48FABB}"/>
+              </a:ext>
+            </a:extLst>
+          </p:cNvPr>
+          <p:cNvPicPr>
+            <a:picLocks noChangeAspect="1"/>
+          </p:cNvPicPr>
+          <p:nvPr/>
+        </p:nvPicPr>
+        <p:blipFill rotWithShape="1">
+          <a:blip r:embed="rId11"/>
+          <a:srcRect t="7915"/>
+          <a:stretch/>
+        </p:blipFill>
+        <p:spPr>
+          <a:xfrm>
+            <a:off x="21081206" y="23173311"/>
+            <a:ext cx="7967158" cy="4400279"/>
+          </a:xfrm>
+          <a:prstGeom prst="rect">
+            <a:avLst/>
+          </a:prstGeom>
+        </p:spPr>
+      </p:pic>
+      <p:sp>
+        <p:nvSpPr>
+          <p:cNvPr id="44" name="תיבת טקסט 43">
+            <a:extLst>
+              <a:ext uri="{FF2B5EF4-FFF2-40B4-BE49-F238E27FC236}">
+                <a16:creationId xmlns:a16="http://schemas.microsoft.com/office/drawing/2014/main" id="{39C0F5B6-F685-4966-8722-1CB1BBF21D37}"/>
+              </a:ext>
+            </a:extLst>
+          </p:cNvPr>
+          <p:cNvSpPr txBox="1"/>
+          <p:nvPr/>
+        </p:nvSpPr>
+        <p:spPr>
+          <a:xfrm>
+            <a:off x="20516856" y="9883083"/>
+            <a:ext cx="8858357" cy="699230"/>
+          </a:xfrm>
+          <a:prstGeom prst="rect">
+            <a:avLst/>
+          </a:prstGeom>
+          <a:noFill/>
+        </p:spPr>
+        <p:txBody>
+          <a:bodyPr wrap="square" rtlCol="1">
+            <a:spAutoFit/>
+          </a:bodyPr>
+          <a:lstStyle/>
+          <a:p>
+            <a:pPr marL="457200" indent="-457200" algn="l" rtl="0">
+              <a:lnSpc>
+                <a:spcPct val="150000"/>
+              </a:lnSpc>
+              <a:buFont typeface="Wingdings" panose="05000000000000000000" pitchFamily="2" charset="2"/>
+              <a:buChar char="§"/>
+            </a:pPr>
+            <a:r>
+              <a:rPr lang="en-US" sz="3000" b="0" dirty="0">
+                <a:solidFill>
+                  <a:srgbClr val="002060"/>
+                </a:solidFill>
+                <a:cs typeface="Arial" panose="020B0604020202020204" pitchFamily="34" charset="0"/>
+              </a:rPr>
+              <a:t>offline plan in the form of a Table</a:t>
+            </a:r>
+            <a:r>
+              <a:rPr lang="en-US" sz="3000" b="0" dirty="0">
+                <a:solidFill>
+                  <a:srgbClr val="002060"/>
+                </a:solidFill>
+              </a:rPr>
+              <a:t>:</a:t>
+            </a:r>
+            <a:endParaRPr lang="he-IL" sz="3000" b="0" dirty="0">
+              <a:solidFill>
+                <a:srgbClr val="002060"/>
+              </a:solidFill>
+            </a:endParaRPr>
+          </a:p>
+        </p:txBody>
+      </p:sp>
+      <p:pic>
+        <p:nvPicPr>
+          <p:cNvPr id="45" name="תמונה 44">
+            <a:extLst>
+              <a:ext uri="{FF2B5EF4-FFF2-40B4-BE49-F238E27FC236}">
+                <a16:creationId xmlns:a16="http://schemas.microsoft.com/office/drawing/2014/main" id="{B54AFD36-AC5C-4BE7-893F-C8856DCFF9D9}"/>
+              </a:ext>
+            </a:extLst>
+          </p:cNvPr>
+          <p:cNvPicPr>
+            <a:picLocks noChangeAspect="1"/>
+          </p:cNvPicPr>
+          <p:nvPr/>
+        </p:nvPicPr>
+        <p:blipFill>
+          <a:blip r:embed="rId12"/>
+          <a:stretch>
+            <a:fillRect/>
+          </a:stretch>
+        </p:blipFill>
+        <p:spPr>
+          <a:xfrm>
+            <a:off x="21836000" y="31226340"/>
+            <a:ext cx="5987041" cy="3781953"/>
+          </a:xfrm>
+          <a:prstGeom prst="rect">
+            <a:avLst/>
+          </a:prstGeom>
+        </p:spPr>
+      </p:pic>
+      <p:grpSp>
+        <p:nvGrpSpPr>
+          <p:cNvPr id="46" name="קבוצה 45">
+            <a:extLst>
+              <a:ext uri="{FF2B5EF4-FFF2-40B4-BE49-F238E27FC236}">
+                <a16:creationId xmlns:a16="http://schemas.microsoft.com/office/drawing/2014/main" id="{E03F66D5-4B96-4F4C-A67F-2D9491C49B70}"/>
+              </a:ext>
+            </a:extLst>
+          </p:cNvPr>
+          <p:cNvGrpSpPr/>
+          <p:nvPr/>
+        </p:nvGrpSpPr>
+        <p:grpSpPr>
+          <a:xfrm>
+            <a:off x="20560942" y="29607243"/>
+            <a:ext cx="3372321" cy="1152686"/>
+            <a:chOff x="209839" y="1617344"/>
+            <a:chExt cx="3372321" cy="1152686"/>
+          </a:xfrm>
+        </p:grpSpPr>
+        <p:pic>
+          <p:nvPicPr>
+            <p:cNvPr id="47" name="תמונה 46">
+              <a:extLst>
+                <a:ext uri="{FF2B5EF4-FFF2-40B4-BE49-F238E27FC236}">
+                  <a16:creationId xmlns:a16="http://schemas.microsoft.com/office/drawing/2014/main" id="{D83997ED-FE01-4CD8-A159-C4504C9F38BF}"/>
+                </a:ext>
+              </a:extLst>
+            </p:cNvPr>
+            <p:cNvPicPr>
+              <a:picLocks noChangeAspect="1"/>
+            </p:cNvPicPr>
+            <p:nvPr/>
+          </p:nvPicPr>
+          <p:blipFill>
+            <a:blip r:embed="rId13"/>
+            <a:stretch>
+              <a:fillRect/>
+            </a:stretch>
+          </p:blipFill>
+          <p:spPr>
+            <a:xfrm>
+              <a:off x="209839" y="1617344"/>
+              <a:ext cx="3372321" cy="1152686"/>
+            </a:xfrm>
+            <a:prstGeom prst="rect">
+              <a:avLst/>
+            </a:prstGeom>
+          </p:spPr>
+        </p:pic>
+        <p:sp>
+          <p:nvSpPr>
+            <p:cNvPr id="48" name="מלבן 47">
+              <a:extLst>
+                <a:ext uri="{FF2B5EF4-FFF2-40B4-BE49-F238E27FC236}">
+                  <a16:creationId xmlns:a16="http://schemas.microsoft.com/office/drawing/2014/main" id="{4C651E24-96C8-40E8-8781-841C1FF38772}"/>
+                </a:ext>
+              </a:extLst>
+            </p:cNvPr>
+            <p:cNvSpPr/>
+            <p:nvPr/>
+          </p:nvSpPr>
+          <p:spPr>
+            <a:xfrm>
+              <a:off x="2019300" y="1633955"/>
+              <a:ext cx="1054100" cy="206324"/>
+            </a:xfrm>
+            <a:prstGeom prst="rect">
+              <a:avLst/>
+            </a:prstGeom>
+            <a:noFill/>
+            <a:ln>
+              <a:solidFill>
+                <a:srgbClr val="FF0000"/>
+              </a:solidFill>
+            </a:ln>
+          </p:spPr>
+          <p:style>
+            <a:lnRef idx="2">
+              <a:schemeClr val="accent1">
+                <a:shade val="50000"/>
+              </a:schemeClr>
+            </a:lnRef>
+            <a:fillRef idx="1">
+              <a:schemeClr val="accent1"/>
+            </a:fillRef>
+            <a:effectRef idx="0">
+              <a:schemeClr val="accent1"/>
+            </a:effectRef>
+            <a:fontRef idx="minor">
+              <a:schemeClr val="lt1"/>
+            </a:fontRef>
+          </p:style>
+          <p:txBody>
+            <a:bodyPr rtlCol="1" anchor="ctr"/>
+            <a:lstStyle/>
+            <a:p>
+              <a:pPr algn="ctr"/>
+              <a:endParaRPr lang="he-IL"/>
+            </a:p>
+          </p:txBody>
+        </p:sp>
+      </p:grpSp>
+      <p:grpSp>
+        <p:nvGrpSpPr>
+          <p:cNvPr id="49" name="קבוצה 48">
+            <a:extLst>
+              <a:ext uri="{FF2B5EF4-FFF2-40B4-BE49-F238E27FC236}">
+                <a16:creationId xmlns:a16="http://schemas.microsoft.com/office/drawing/2014/main" id="{ECBB19A4-E398-4930-B4C2-395228D40F79}"/>
+              </a:ext>
+            </a:extLst>
+          </p:cNvPr>
+          <p:cNvGrpSpPr/>
+          <p:nvPr/>
+        </p:nvGrpSpPr>
+        <p:grpSpPr>
+          <a:xfrm>
+            <a:off x="24136845" y="29276281"/>
+            <a:ext cx="5274699" cy="1562318"/>
+            <a:chOff x="209839" y="3678338"/>
+            <a:chExt cx="6597361" cy="1562318"/>
+          </a:xfrm>
+        </p:grpSpPr>
+        <p:pic>
+          <p:nvPicPr>
+            <p:cNvPr id="50" name="תמונה 49">
+              <a:extLst>
+                <a:ext uri="{FF2B5EF4-FFF2-40B4-BE49-F238E27FC236}">
+                  <a16:creationId xmlns:a16="http://schemas.microsoft.com/office/drawing/2014/main" id="{8062D8C8-DB3D-408F-B58F-CBE5C43E4316}"/>
+                </a:ext>
+              </a:extLst>
+            </p:cNvPr>
+            <p:cNvPicPr>
+              <a:picLocks noChangeAspect="1"/>
+            </p:cNvPicPr>
+            <p:nvPr/>
+          </p:nvPicPr>
+          <p:blipFill>
+            <a:blip r:embed="rId14"/>
+            <a:stretch>
+              <a:fillRect/>
+            </a:stretch>
+          </p:blipFill>
+          <p:spPr>
+            <a:xfrm>
+              <a:off x="209839" y="3678338"/>
+              <a:ext cx="6597361" cy="1562318"/>
+            </a:xfrm>
+            <a:prstGeom prst="rect">
+              <a:avLst/>
+            </a:prstGeom>
+          </p:spPr>
+        </p:pic>
+        <p:sp>
+          <p:nvSpPr>
+            <p:cNvPr id="51" name="מלבן 50">
+              <a:extLst>
+                <a:ext uri="{FF2B5EF4-FFF2-40B4-BE49-F238E27FC236}">
+                  <a16:creationId xmlns:a16="http://schemas.microsoft.com/office/drawing/2014/main" id="{95EBC4D6-0498-444D-8900-333ABEC4EA13}"/>
+                </a:ext>
+              </a:extLst>
+            </p:cNvPr>
+            <p:cNvSpPr/>
+            <p:nvPr/>
+          </p:nvSpPr>
+          <p:spPr>
+            <a:xfrm>
+              <a:off x="1803400" y="3678339"/>
+              <a:ext cx="1270000" cy="245962"/>
+            </a:xfrm>
+            <a:prstGeom prst="rect">
+              <a:avLst/>
+            </a:prstGeom>
+            <a:noFill/>
+            <a:ln>
+              <a:solidFill>
+                <a:srgbClr val="FF0000"/>
+              </a:solidFill>
+            </a:ln>
+          </p:spPr>
+          <p:style>
+            <a:lnRef idx="2">
+              <a:schemeClr val="accent1">
+                <a:shade val="50000"/>
+              </a:schemeClr>
+            </a:lnRef>
+            <a:fillRef idx="1">
+              <a:schemeClr val="accent1"/>
+            </a:fillRef>
+            <a:effectRef idx="0">
+              <a:schemeClr val="accent1"/>
+            </a:effectRef>
+            <a:fontRef idx="minor">
+              <a:schemeClr val="lt1"/>
+            </a:fontRef>
+          </p:style>
+          <p:txBody>
+            <a:bodyPr rtlCol="1" anchor="ctr"/>
+            <a:lstStyle/>
+            <a:p>
+              <a:pPr algn="ctr"/>
+              <a:endParaRPr lang="he-IL"/>
+            </a:p>
+          </p:txBody>
+        </p:sp>
+      </p:grpSp>
+      <p:sp>
+        <p:nvSpPr>
+          <p:cNvPr id="52" name="תיבת טקסט 51">
+            <a:extLst>
+              <a:ext uri="{FF2B5EF4-FFF2-40B4-BE49-F238E27FC236}">
+                <a16:creationId xmlns:a16="http://schemas.microsoft.com/office/drawing/2014/main" id="{8CC9D5A9-2E2E-42DA-BF0C-FEB2A7489067}"/>
+              </a:ext>
+            </a:extLst>
+          </p:cNvPr>
+          <p:cNvSpPr txBox="1"/>
+          <p:nvPr/>
+        </p:nvSpPr>
+        <p:spPr>
+          <a:xfrm>
+            <a:off x="20728531" y="16831481"/>
+            <a:ext cx="8858357" cy="699230"/>
+          </a:xfrm>
+          <a:prstGeom prst="rect">
+            <a:avLst/>
+          </a:prstGeom>
+          <a:noFill/>
+        </p:spPr>
+        <p:txBody>
+          <a:bodyPr wrap="square" rtlCol="1">
+            <a:spAutoFit/>
+          </a:bodyPr>
+          <a:lstStyle/>
+          <a:p>
+            <a:pPr algn="l" rtl="0">
+              <a:lnSpc>
+                <a:spcPct val="150000"/>
+              </a:lnSpc>
+            </a:pPr>
+            <a:r>
+              <a:rPr lang="en-US" sz="3000" b="0" dirty="0">
+                <a:solidFill>
+                  <a:srgbClr val="002060"/>
+                </a:solidFill>
+              </a:rPr>
+              <a:t>Online output with no interrupts: </a:t>
+            </a:r>
+            <a:endParaRPr lang="he-IL" sz="3000" b="0" dirty="0">
+              <a:solidFill>
+                <a:srgbClr val="002060"/>
+              </a:solidFill>
+            </a:endParaRPr>
+          </a:p>
+        </p:txBody>
+      </p:sp>
+      <p:sp>
+        <p:nvSpPr>
+          <p:cNvPr id="53" name="תיבת טקסט 52">
+            <a:extLst>
+              <a:ext uri="{FF2B5EF4-FFF2-40B4-BE49-F238E27FC236}">
+                <a16:creationId xmlns:a16="http://schemas.microsoft.com/office/drawing/2014/main" id="{3EEFA102-BDD9-4EF2-96A8-F92F17B7D0A5}"/>
+              </a:ext>
+            </a:extLst>
+          </p:cNvPr>
+          <p:cNvSpPr txBox="1"/>
+          <p:nvPr/>
+        </p:nvSpPr>
+        <p:spPr>
+          <a:xfrm>
+            <a:off x="20728531" y="22240081"/>
+            <a:ext cx="8858357" cy="699230"/>
+          </a:xfrm>
+          <a:prstGeom prst="rect">
+            <a:avLst/>
+          </a:prstGeom>
+          <a:noFill/>
+        </p:spPr>
+        <p:txBody>
+          <a:bodyPr wrap="square" rtlCol="1">
+            <a:spAutoFit/>
+          </a:bodyPr>
+          <a:lstStyle/>
+          <a:p>
+            <a:pPr algn="l" rtl="0">
+              <a:lnSpc>
+                <a:spcPct val="150000"/>
+              </a:lnSpc>
+            </a:pPr>
+            <a:r>
+              <a:rPr lang="en-US" sz="3000" b="0" dirty="0">
+                <a:solidFill>
+                  <a:srgbClr val="002060"/>
+                </a:solidFill>
+              </a:rPr>
+              <a:t>Online output with interrupts: </a:t>
+            </a:r>
+            <a:endParaRPr lang="he-IL" sz="3000" b="0" dirty="0">
+              <a:solidFill>
+                <a:srgbClr val="002060"/>
+              </a:solidFill>
+            </a:endParaRPr>
+          </a:p>
+        </p:txBody>
+      </p:sp>
+      <p:sp>
+        <p:nvSpPr>
+          <p:cNvPr id="54" name="תיבת טקסט 53">
+            <a:extLst>
+              <a:ext uri="{FF2B5EF4-FFF2-40B4-BE49-F238E27FC236}">
+                <a16:creationId xmlns:a16="http://schemas.microsoft.com/office/drawing/2014/main" id="{7E83D72A-B817-459B-A633-5D51237A073E}"/>
+              </a:ext>
+            </a:extLst>
+          </p:cNvPr>
+          <p:cNvSpPr txBox="1"/>
+          <p:nvPr/>
+        </p:nvSpPr>
+        <p:spPr>
+          <a:xfrm>
+            <a:off x="20757460" y="28240801"/>
+            <a:ext cx="8858357" cy="699230"/>
+          </a:xfrm>
+          <a:prstGeom prst="rect">
+            <a:avLst/>
+          </a:prstGeom>
+          <a:noFill/>
+        </p:spPr>
+        <p:txBody>
+          <a:bodyPr wrap="square" rtlCol="1">
+            <a:spAutoFit/>
+          </a:bodyPr>
+          <a:lstStyle/>
+          <a:p>
+            <a:pPr algn="l" rtl="0">
+              <a:lnSpc>
+                <a:spcPct val="150000"/>
+              </a:lnSpc>
+            </a:pPr>
+            <a:r>
+              <a:rPr lang="en-US" sz="3000" b="0" dirty="0">
+                <a:solidFill>
+                  <a:srgbClr val="002060"/>
+                </a:solidFill>
+              </a:rPr>
+              <a:t>Online output with replanning: </a:t>
+            </a:r>
+            <a:endParaRPr lang="he-IL" sz="3000" b="0" dirty="0">
+              <a:solidFill>
+                <a:srgbClr val="002060"/>
+              </a:solidFill>
+            </a:endParaRPr>
+          </a:p>
+        </p:txBody>
+      </p:sp>
     </p:spTree>
   </p:cSld>
   <p:clrMapOvr>

--- a/חומר עזר לפרויקט/‏‏ספר פרויקט + מצגת/HY_poster.pptx
+++ b/חומר עזר לפרויקט/‏‏ספר פרויקט + מצגת/HY_poster.pptx
@@ -6939,7 +6939,7 @@
         </p:blipFill>
         <p:spPr>
           <a:xfrm>
-            <a:off x="21836000" y="31226340"/>
+            <a:off x="21832225" y="31527651"/>
             <a:ext cx="5987041" cy="3781953"/>
           </a:xfrm>
           <a:prstGeom prst="rect">
@@ -7064,7 +7064,7 @@
         </p:nvGrpSpPr>
         <p:grpSpPr>
           <a:xfrm>
-            <a:off x="24136845" y="29276281"/>
+            <a:off x="24152282" y="29472238"/>
             <a:ext cx="5274699" cy="1562318"/>
             <a:chOff x="209839" y="3678338"/>
             <a:chExt cx="6597361" cy="1562318"/>
@@ -7293,6 +7293,161 @@
               <a:t>Online output with replanning: </a:t>
             </a:r>
             <a:endParaRPr lang="he-IL" sz="3000" b="0" dirty="0">
+              <a:solidFill>
+                <a:srgbClr val="002060"/>
+              </a:solidFill>
+            </a:endParaRPr>
+          </a:p>
+        </p:txBody>
+      </p:sp>
+      <p:sp>
+        <p:nvSpPr>
+          <p:cNvPr id="55" name="תיבת טקסט 54">
+            <a:extLst>
+              <a:ext uri="{FF2B5EF4-FFF2-40B4-BE49-F238E27FC236}">
+                <a16:creationId xmlns:a16="http://schemas.microsoft.com/office/drawing/2014/main" id="{C17D7253-823A-4754-BD83-10121D390721}"/>
+              </a:ext>
+            </a:extLst>
+          </p:cNvPr>
+          <p:cNvSpPr txBox="1"/>
+          <p:nvPr/>
+        </p:nvSpPr>
+        <p:spPr>
+          <a:xfrm>
+            <a:off x="20639850" y="29150765"/>
+            <a:ext cx="3143146" cy="496996"/>
+          </a:xfrm>
+          <a:prstGeom prst="rect">
+            <a:avLst/>
+          </a:prstGeom>
+          <a:noFill/>
+        </p:spPr>
+        <p:txBody>
+          <a:bodyPr wrap="square" rtlCol="1">
+            <a:spAutoFit/>
+          </a:bodyPr>
+          <a:lstStyle/>
+          <a:p>
+            <a:pPr algn="l" rtl="0">
+              <a:lnSpc>
+                <a:spcPct val="150000"/>
+              </a:lnSpc>
+            </a:pPr>
+            <a:r>
+              <a:rPr lang="en-US" sz="2000" b="0" dirty="0">
+                <a:solidFill>
+                  <a:srgbClr val="002060"/>
+                </a:solidFill>
+              </a:rPr>
+              <a:t>New config file</a:t>
+            </a:r>
+            <a:endParaRPr lang="he-IL" sz="2000" b="0" dirty="0">
+              <a:solidFill>
+                <a:srgbClr val="002060"/>
+              </a:solidFill>
+            </a:endParaRPr>
+          </a:p>
+        </p:txBody>
+      </p:sp>
+      <p:sp>
+        <p:nvSpPr>
+          <p:cNvPr id="58" name="תיבת טקסט 57">
+            <a:extLst>
+              <a:ext uri="{FF2B5EF4-FFF2-40B4-BE49-F238E27FC236}">
+                <a16:creationId xmlns:a16="http://schemas.microsoft.com/office/drawing/2014/main" id="{091F8A5C-445B-4467-843A-8BA4C93C9068}"/>
+              </a:ext>
+            </a:extLst>
+          </p:cNvPr>
+          <p:cNvSpPr txBox="1"/>
+          <p:nvPr/>
+        </p:nvSpPr>
+        <p:spPr>
+          <a:xfrm>
+            <a:off x="24136846" y="28945264"/>
+            <a:ext cx="3143146" cy="496996"/>
+          </a:xfrm>
+          <a:prstGeom prst="rect">
+            <a:avLst/>
+          </a:prstGeom>
+          <a:noFill/>
+        </p:spPr>
+        <p:txBody>
+          <a:bodyPr wrap="square" rtlCol="1">
+            <a:spAutoFit/>
+          </a:bodyPr>
+          <a:lstStyle/>
+          <a:p>
+            <a:pPr algn="l" rtl="0">
+              <a:lnSpc>
+                <a:spcPct val="150000"/>
+              </a:lnSpc>
+            </a:pPr>
+            <a:r>
+              <a:rPr lang="en-US" sz="2000" b="0" dirty="0">
+                <a:solidFill>
+                  <a:srgbClr val="002060"/>
+                </a:solidFill>
+              </a:rPr>
+              <a:t>New offline log file</a:t>
+            </a:r>
+            <a:endParaRPr lang="he-IL" sz="2000" b="0" dirty="0">
+              <a:solidFill>
+                <a:srgbClr val="002060"/>
+              </a:solidFill>
+            </a:endParaRPr>
+          </a:p>
+        </p:txBody>
+      </p:sp>
+      <p:sp>
+        <p:nvSpPr>
+          <p:cNvPr id="59" name="תיבת טקסט 58">
+            <a:extLst>
+              <a:ext uri="{FF2B5EF4-FFF2-40B4-BE49-F238E27FC236}">
+                <a16:creationId xmlns:a16="http://schemas.microsoft.com/office/drawing/2014/main" id="{E7EB19CF-05E1-4964-A326-1808C077D34F}"/>
+              </a:ext>
+            </a:extLst>
+          </p:cNvPr>
+          <p:cNvSpPr txBox="1"/>
+          <p:nvPr/>
+        </p:nvSpPr>
+        <p:spPr>
+          <a:xfrm>
+            <a:off x="23238638" y="31022346"/>
+            <a:ext cx="3143146" cy="496996"/>
+          </a:xfrm>
+          <a:prstGeom prst="rect">
+            <a:avLst/>
+          </a:prstGeom>
+          <a:noFill/>
+        </p:spPr>
+        <p:txBody>
+          <a:bodyPr wrap="square" rtlCol="1">
+            <a:spAutoFit/>
+          </a:bodyPr>
+          <a:lstStyle/>
+          <a:p>
+            <a:pPr algn="l" rtl="0">
+              <a:lnSpc>
+                <a:spcPct val="150000"/>
+              </a:lnSpc>
+            </a:pPr>
+            <a:r>
+              <a:rPr lang="en-US" sz="2000" b="0">
+                <a:solidFill>
+                  <a:srgbClr val="002060"/>
+                </a:solidFill>
+              </a:rPr>
+              <a:t>New online </a:t>
+            </a:r>
+            <a:r>
+              <a:rPr lang="en-US" sz="2000" b="0" dirty="0">
+                <a:solidFill>
+                  <a:srgbClr val="002060"/>
+                </a:solidFill>
+              </a:rPr>
+              <a:t>log file</a:t>
+            </a:r>
+            <a:endParaRPr lang="he-IL" sz="2000" b="0" dirty="0">
               <a:solidFill>
                 <a:srgbClr val="002060"/>
               </a:solidFill>

--- a/חומר עזר לפרויקט/‏‏ספר פרויקט + מצגת/HY_poster.pptx
+++ b/חומר עזר לפרויקט/‏‏ספר פרויקט + מצגת/HY_poster.pptx
@@ -6790,7 +6790,7 @@
         </p:blipFill>
         <p:spPr>
           <a:xfrm>
-            <a:off x="20728531" y="11155738"/>
+            <a:off x="20822924" y="10904945"/>
             <a:ext cx="8338511" cy="5542967"/>
           </a:xfrm>
           <a:prstGeom prst="rect">
@@ -6820,7 +6820,7 @@
         </p:blipFill>
         <p:spPr>
           <a:xfrm>
-            <a:off x="21846387" y="17547322"/>
+            <a:off x="21534000" y="17547322"/>
             <a:ext cx="6622643" cy="4540359"/>
           </a:xfrm>
           <a:prstGeom prst="rect">
@@ -6849,7 +6849,7 @@
         </p:blipFill>
         <p:spPr>
           <a:xfrm>
-            <a:off x="21081206" y="23173311"/>
+            <a:off x="20959890" y="23158248"/>
             <a:ext cx="7967158" cy="4400279"/>
           </a:xfrm>
           <a:prstGeom prst="rect">
@@ -6871,7 +6871,7 @@
         </p:nvSpPr>
         <p:spPr>
           <a:xfrm>
-            <a:off x="20516856" y="9883083"/>
+            <a:off x="20536820" y="10096158"/>
             <a:ext cx="8858357" cy="699230"/>
           </a:xfrm>
           <a:prstGeom prst="rect">
@@ -6893,23 +6893,23 @@
               <a:buChar char="§"/>
             </a:pPr>
             <a:r>
-              <a:rPr lang="en-US" sz="3000" b="0" dirty="0">
+              <a:rPr lang="en-US" sz="3000" dirty="0">
                 <a:solidFill>
                   <a:srgbClr val="002060"/>
                 </a:solidFill>
                 <a:cs typeface="Arial" panose="020B0604020202020204" pitchFamily="34" charset="0"/>
               </a:rPr>
-              <a:t>offline plan in the form of a Table</a:t>
-            </a:r>
-            <a:r>
-              <a:rPr lang="en-US" sz="3000" b="0" dirty="0">
+              <a:t>Offline plan in the form of a table</a:t>
+            </a:r>
+            <a:r>
+              <a:rPr lang="en-US" sz="3000" dirty="0">
                 <a:solidFill>
                   <a:srgbClr val="002060"/>
                 </a:solidFill>
               </a:rPr>
               <a:t>:</a:t>
             </a:r>
-            <a:endParaRPr lang="he-IL" sz="3000" b="0" dirty="0">
+            <a:endParaRPr lang="he-IL" sz="3000" dirty="0">
               <a:solidFill>
                 <a:srgbClr val="002060"/>
               </a:solidFill>
@@ -6939,7 +6939,7 @@
         </p:blipFill>
         <p:spPr>
           <a:xfrm>
-            <a:off x="21832225" y="31527651"/>
+            <a:off x="21690806" y="31411326"/>
             <a:ext cx="5987041" cy="3781953"/>
           </a:xfrm>
           <a:prstGeom prst="rect">
@@ -6961,8 +6961,8 @@
         </p:nvGrpSpPr>
         <p:grpSpPr>
           <a:xfrm>
-            <a:off x="20560942" y="29607243"/>
-            <a:ext cx="3372321" cy="1152686"/>
+            <a:off x="20395509" y="29095013"/>
+            <a:ext cx="3647264" cy="1512797"/>
             <a:chOff x="209839" y="1617344"/>
             <a:chExt cx="3372321" cy="1152686"/>
           </a:xfrm>
@@ -7064,7 +7064,7 @@
         </p:nvGrpSpPr>
         <p:grpSpPr>
           <a:xfrm>
-            <a:off x="24152282" y="29472238"/>
+            <a:off x="24147525" y="29082269"/>
             <a:ext cx="5274699" cy="1562318"/>
             <a:chOff x="209839" y="3678338"/>
             <a:chExt cx="6597361" cy="1562318"/>
@@ -7167,7 +7167,7 @@
         </p:nvSpPr>
         <p:spPr>
           <a:xfrm>
-            <a:off x="20728531" y="16831481"/>
+            <a:off x="20536819" y="16695692"/>
             <a:ext cx="8858357" cy="699230"/>
           </a:xfrm>
           <a:prstGeom prst="rect">
@@ -7181,20 +7181,22 @@
           </a:bodyPr>
           <a:lstStyle/>
           <a:p>
-            <a:pPr algn="l" rtl="0">
+            <a:pPr marL="457200" indent="-457200" algn="l" rtl="0">
               <a:lnSpc>
                 <a:spcPct val="150000"/>
               </a:lnSpc>
-            </a:pPr>
-            <a:r>
-              <a:rPr lang="en-US" sz="3000" b="0" dirty="0">
+              <a:buFont typeface="Wingdings" panose="05000000000000000000" pitchFamily="2" charset="2"/>
+              <a:buChar char="§"/>
+            </a:pPr>
+            <a:r>
+              <a:rPr lang="en-US" sz="3000" dirty="0">
                 <a:solidFill>
                   <a:srgbClr val="002060"/>
                 </a:solidFill>
               </a:rPr>
               <a:t>Online output with no interrupts: </a:t>
             </a:r>
-            <a:endParaRPr lang="he-IL" sz="3000" b="0" dirty="0">
+            <a:endParaRPr lang="he-IL" sz="3000" dirty="0">
               <a:solidFill>
                 <a:srgbClr val="002060"/>
               </a:solidFill>
@@ -7216,7 +7218,7 @@
         </p:nvSpPr>
         <p:spPr>
           <a:xfrm>
-            <a:off x="20728531" y="22240081"/>
+            <a:off x="20552622" y="22223998"/>
             <a:ext cx="8858357" cy="699230"/>
           </a:xfrm>
           <a:prstGeom prst="rect">
@@ -7230,20 +7232,22 @@
           </a:bodyPr>
           <a:lstStyle/>
           <a:p>
-            <a:pPr algn="l" rtl="0">
+            <a:pPr marL="457200" indent="-457200" algn="l" rtl="0">
               <a:lnSpc>
                 <a:spcPct val="150000"/>
               </a:lnSpc>
-            </a:pPr>
-            <a:r>
-              <a:rPr lang="en-US" sz="3000" b="0" dirty="0">
+              <a:buFont typeface="Wingdings" panose="05000000000000000000" pitchFamily="2" charset="2"/>
+              <a:buChar char="§"/>
+            </a:pPr>
+            <a:r>
+              <a:rPr lang="en-US" sz="3000" dirty="0">
                 <a:solidFill>
                   <a:srgbClr val="002060"/>
                 </a:solidFill>
               </a:rPr>
               <a:t>Online output with interrupts: </a:t>
             </a:r>
-            <a:endParaRPr lang="he-IL" sz="3000" b="0" dirty="0">
+            <a:endParaRPr lang="he-IL" sz="3000" dirty="0">
               <a:solidFill>
                 <a:srgbClr val="002060"/>
               </a:solidFill>
@@ -7265,7 +7269,7 @@
         </p:nvSpPr>
         <p:spPr>
           <a:xfrm>
-            <a:off x="20757460" y="28240801"/>
+            <a:off x="20456920" y="27754798"/>
             <a:ext cx="8858357" cy="699230"/>
           </a:xfrm>
           <a:prstGeom prst="rect">
@@ -7279,20 +7283,22 @@
           </a:bodyPr>
           <a:lstStyle/>
           <a:p>
-            <a:pPr algn="l" rtl="0">
+            <a:pPr marL="457200" indent="-457200" algn="l" rtl="0">
               <a:lnSpc>
                 <a:spcPct val="150000"/>
               </a:lnSpc>
-            </a:pPr>
-            <a:r>
-              <a:rPr lang="en-US" sz="3000" b="0" dirty="0">
+              <a:buFont typeface="Wingdings" panose="05000000000000000000" pitchFamily="2" charset="2"/>
+              <a:buChar char="§"/>
+            </a:pPr>
+            <a:r>
+              <a:rPr lang="en-US" sz="3000" dirty="0">
                 <a:solidFill>
                   <a:srgbClr val="002060"/>
                 </a:solidFill>
               </a:rPr>
               <a:t>Online output with replanning: </a:t>
             </a:r>
-            <a:endParaRPr lang="he-IL" sz="3000" b="0" dirty="0">
+            <a:endParaRPr lang="he-IL" sz="3000" dirty="0">
               <a:solidFill>
                 <a:srgbClr val="002060"/>
               </a:solidFill>
@@ -7314,8 +7320,8 @@
         </p:nvSpPr>
         <p:spPr>
           <a:xfrm>
-            <a:off x="20639850" y="29150765"/>
-            <a:ext cx="3143146" cy="496996"/>
+            <a:off x="20607801" y="28488481"/>
+            <a:ext cx="3143146" cy="577850"/>
           </a:xfrm>
           <a:prstGeom prst="rect">
             <a:avLst/>
@@ -7334,14 +7340,14 @@
               </a:lnSpc>
             </a:pPr>
             <a:r>
-              <a:rPr lang="en-US" sz="2000" b="0" dirty="0">
+              <a:rPr lang="en-US" sz="2400" b="0" dirty="0">
                 <a:solidFill>
                   <a:srgbClr val="002060"/>
                 </a:solidFill>
               </a:rPr>
               <a:t>New config file</a:t>
             </a:r>
-            <a:endParaRPr lang="he-IL" sz="2000" b="0" dirty="0">
+            <a:endParaRPr lang="he-IL" sz="2400" b="0" dirty="0">
               <a:solidFill>
                 <a:srgbClr val="002060"/>
               </a:solidFill>
@@ -7363,8 +7369,8 @@
         </p:nvSpPr>
         <p:spPr>
           <a:xfrm>
-            <a:off x="24136846" y="28945264"/>
-            <a:ext cx="3143146" cy="496996"/>
+            <a:off x="24147525" y="28500385"/>
+            <a:ext cx="3143146" cy="577850"/>
           </a:xfrm>
           <a:prstGeom prst="rect">
             <a:avLst/>
@@ -7383,14 +7389,14 @@
               </a:lnSpc>
             </a:pPr>
             <a:r>
-              <a:rPr lang="en-US" sz="2000" b="0" dirty="0">
+              <a:rPr lang="en-US" sz="2400" b="0" dirty="0">
                 <a:solidFill>
                   <a:srgbClr val="002060"/>
                 </a:solidFill>
               </a:rPr>
               <a:t>New offline log file</a:t>
             </a:r>
-            <a:endParaRPr lang="he-IL" sz="2000" b="0" dirty="0">
+            <a:endParaRPr lang="he-IL" sz="2400" b="0" dirty="0">
               <a:solidFill>
                 <a:srgbClr val="002060"/>
               </a:solidFill>
@@ -7412,8 +7418,8 @@
         </p:nvSpPr>
         <p:spPr>
           <a:xfrm>
-            <a:off x="23238638" y="31022346"/>
-            <a:ext cx="3143146" cy="496996"/>
+            <a:off x="22925988" y="30758017"/>
+            <a:ext cx="3143146" cy="577850"/>
           </a:xfrm>
           <a:prstGeom prst="rect">
             <a:avLst/>
@@ -7432,22 +7438,14 @@
               </a:lnSpc>
             </a:pPr>
             <a:r>
-              <a:rPr lang="en-US" sz="2000" b="0">
+              <a:rPr lang="en-US" sz="2400" b="0" dirty="0">
                 <a:solidFill>
                   <a:srgbClr val="002060"/>
                 </a:solidFill>
               </a:rPr>
-              <a:t>New online </a:t>
-            </a:r>
-            <a:r>
-              <a:rPr lang="en-US" sz="2000" b="0" dirty="0">
-                <a:solidFill>
-                  <a:srgbClr val="002060"/>
-                </a:solidFill>
-              </a:rPr>
-              <a:t>log file</a:t>
-            </a:r>
-            <a:endParaRPr lang="he-IL" sz="2000" b="0" dirty="0">
+              <a:t>New online log file</a:t>
+            </a:r>
+            <a:endParaRPr lang="he-IL" sz="2400" b="0" dirty="0">
               <a:solidFill>
                 <a:srgbClr val="002060"/>
               </a:solidFill>
